--- a/session_six/session_six_presentation.pptx
+++ b/session_six/session_six_presentation.pptx
@@ -962,7 +962,7 @@
             <a:fld id="{3BBED7E8-0829-F34C-B479-A757805E6C1B}" type="datetimeFigureOut">
               <a:rPr lang="en-US" smtClean="0"/>
               <a:pPr/>
-              <a:t>6/2/2020</a:t>
+              <a:t>7/7/2020</a:t>
             </a:fld>
             <a:endParaRPr lang="en-US"/>
           </a:p>
@@ -1130,7 +1130,7 @@
             <a:fld id="{6C7E4F11-7667-5045-A00B-01970EA44BB5}" type="datetimeFigureOut">
               <a:rPr lang="en-US" smtClean="0"/>
               <a:pPr/>
-              <a:t>6/2/2020</a:t>
+              <a:t>7/7/2020</a:t>
             </a:fld>
             <a:endParaRPr lang="en-US"/>
           </a:p>
@@ -28644,8 +28644,8 @@
           </a:prstGeom>
         </p:spPr>
       </p:pic>
-      <mc:AlternateContent xmlns:mc="http://schemas.openxmlformats.org/markup-compatibility/2006">
-        <mc:Choice xmlns:a14="http://schemas.microsoft.com/office/drawing/2010/main" Requires="a14">
+      <mc:AlternateContent xmlns:mc="http://schemas.openxmlformats.org/markup-compatibility/2006" xmlns:a14="http://schemas.microsoft.com/office/drawing/2010/main">
+        <mc:Choice Requires="a14">
           <p:sp>
             <p:nvSpPr>
               <p:cNvPr id="6" name="Text Placeholder 2">
@@ -29148,7 +29148,7 @@
             </p:txBody>
           </p:sp>
         </mc:Choice>
-        <mc:Fallback>
+        <mc:Fallback xmlns="">
           <p:sp>
             <p:nvSpPr>
               <p:cNvPr id="6" name="Text Placeholder 2">
@@ -30354,11 +30354,18 @@
               <a:buChar char="•"/>
             </a:pPr>
             <a:r>
+              <a:rPr lang="en-GB" sz="2000">
+                <a:latin typeface="Arial"/>
+                <a:cs typeface="Arial"/>
+              </a:rPr>
+              <a:t>What value </a:t>
+            </a:r>
+            <a:r>
               <a:rPr lang="en-GB" sz="2000" dirty="0">
                 <a:latin typeface="Arial"/>
                 <a:cs typeface="Arial"/>
               </a:rPr>
-              <a:t>What will value will be printed the two times below. Guess then try it for yourself</a:t>
+              <a:t>will be printed the two times below. Guess then try it for yourself</a:t>
             </a:r>
           </a:p>
         </p:txBody>
@@ -36102,11 +36109,7 @@
 
 <file path=customXml/item1.xml><?xml version="1.0" encoding="utf-8"?>
 <?mso-contentType ?>
-<FormTemplates xmlns="http://schemas.microsoft.com/sharepoint/v3/contenttype/forms">
-  <Display>DocumentLibraryForm</Display>
-  <Edit>DocumentLibraryForm</Edit>
-  <New>DocumentLibraryForm</New>
-</FormTemplates>
+<SharedContentType xmlns="Microsoft.SharePoint.Taxonomy.ContentTypeSync" SourceId="1ee89e71-04cd-405e-9ca3-99e020c1694d" ContentTypeId="0x0101" PreviousValue="false"/>
 </file>
 
 <file path=customXml/item2.xml><?xml version="1.0" encoding="utf-8"?>
@@ -36120,7 +36123,11 @@
 
 <file path=customXml/item3.xml><?xml version="1.0" encoding="utf-8"?>
 <?mso-contentType ?>
-<SharedContentType xmlns="Microsoft.SharePoint.Taxonomy.ContentTypeSync" SourceId="1ee89e71-04cd-405e-9ca3-99e020c1694d" ContentTypeId="0x0101" PreviousValue="false"/>
+<FormTemplates xmlns="http://schemas.microsoft.com/sharepoint/v3/contenttype/forms">
+  <Display>DocumentLibraryForm</Display>
+  <Edit>DocumentLibraryForm</Edit>
+  <New>DocumentLibraryForm</New>
+</FormTemplates>
 </file>
 
 <file path=customXml/item4.xml><?xml version="1.0" encoding="utf-8"?>
@@ -36303,9 +36310,9 @@
 </file>
 
 <file path=customXml/itemProps1.xml><?xml version="1.0" encoding="utf-8"?>
-<ds:datastoreItem xmlns:ds="http://schemas.openxmlformats.org/officeDocument/2006/customXml" ds:itemID="{BEBDFA33-3959-412D-BF65-F572B77FF4EC}">
+<ds:datastoreItem xmlns:ds="http://schemas.openxmlformats.org/officeDocument/2006/customXml" ds:itemID="{91989A13-6EBC-4BFF-A25C-E4D3CAAA08AF}">
   <ds:schemaRefs>
-    <ds:schemaRef ds:uri="http://schemas.microsoft.com/sharepoint/v3/contenttype/forms"/>
+    <ds:schemaRef ds:uri="Microsoft.SharePoint.Taxonomy.ContentTypeSync"/>
   </ds:schemaRefs>
 </ds:datastoreItem>
 </file>
@@ -36328,9 +36335,9 @@
 </file>
 
 <file path=customXml/itemProps3.xml><?xml version="1.0" encoding="utf-8"?>
-<ds:datastoreItem xmlns:ds="http://schemas.openxmlformats.org/officeDocument/2006/customXml" ds:itemID="{91989A13-6EBC-4BFF-A25C-E4D3CAAA08AF}">
+<ds:datastoreItem xmlns:ds="http://schemas.openxmlformats.org/officeDocument/2006/customXml" ds:itemID="{BEBDFA33-3959-412D-BF65-F572B77FF4EC}">
   <ds:schemaRefs>
-    <ds:schemaRef ds:uri="Microsoft.SharePoint.Taxonomy.ContentTypeSync"/>
+    <ds:schemaRef ds:uri="http://schemas.microsoft.com/sharepoint/v3/contenttype/forms"/>
   </ds:schemaRefs>
 </ds:datastoreItem>
 </file>

--- a/session_six/session_six_presentation.pptx
+++ b/session_six/session_six_presentation.pptx
@@ -850,9 +850,6 @@
     </pc:docChg>
   </pc:docChgLst>
   <pc:docChgLst>
-    <pc:chgData name="Bradley, Sam" userId="f75c196c-0419-4ed7-9101-2e14ae32ff77" providerId="ADAL" clId="{3FF446AA-2460-4900-8B64-80B2BFB30CB0}"/>
-  </pc:docChgLst>
-  <pc:docChgLst>
     <pc:chgData name="McKinney, David" userId="S::kqkh779@astrazeneca.net::8b945cb3-78ce-42d7-adc5-b07bab32cd5b" providerId="AD" clId="Web-{2BB45DB9-A5C7-42D9-8D86-58E9C0F106AD}"/>
     <pc:docChg chg="modSld">
       <pc:chgData name="McKinney, David" userId="S::kqkh779@astrazeneca.net::8b945cb3-78ce-42d7-adc5-b07bab32cd5b" providerId="AD" clId="Web-{2BB45DB9-A5C7-42D9-8D86-58E9C0F106AD}" dt="2020-03-26T12:03:13.542" v="3" actId="20577"/>
@@ -962,7 +959,7 @@
             <a:fld id="{3BBED7E8-0829-F34C-B479-A757805E6C1B}" type="datetimeFigureOut">
               <a:rPr lang="en-US" smtClean="0"/>
               <a:pPr/>
-              <a:t>7/7/2020</a:t>
+              <a:t>7/13/2020</a:t>
             </a:fld>
             <a:endParaRPr lang="en-US"/>
           </a:p>
@@ -1130,7 +1127,7 @@
             <a:fld id="{6C7E4F11-7667-5045-A00B-01970EA44BB5}" type="datetimeFigureOut">
               <a:rPr lang="en-US" smtClean="0"/>
               <a:pPr/>
-              <a:t>7/7/2020</a:t>
+              <a:t>7/13/2020</a:t>
             </a:fld>
             <a:endParaRPr lang="en-US"/>
           </a:p>
@@ -26695,7 +26692,7 @@
 </file>
 
 <file path=ppt/slides/slide1.xml><?xml version="1.0" encoding="utf-8"?>
-<p:sld xmlns:a="http://schemas.openxmlformats.org/drawingml/2006/main" xmlns:r="http://schemas.openxmlformats.org/officeDocument/2006/relationships" xmlns:p="http://schemas.openxmlformats.org/presentationml/2006/main">
+<p:sld xmlns:a="http://schemas.openxmlformats.org/drawingml/2006/main" xmlns:r="http://schemas.openxmlformats.org/officeDocument/2006/relationships" xmlns:p="http://schemas.openxmlformats.org/presentationml/2006/main" showMasterSp="0">
   <p:cSld>
     <p:spTree>
       <p:nvGrpSpPr>
@@ -26906,10 +26903,9 @@
           </a:lstStyle>
           <a:p>
             <a:r>
-              <a:rPr lang="en-GB"/>
-              <a:t>The AZ Code Club Team</a:t>
-            </a:r>
-            <a:endParaRPr lang="en-GB" dirty="0"/>
+              <a:rPr lang="en-GB" dirty="0"/>
+              <a:t>Warwick Data Science Society</a:t>
+            </a:r>
           </a:p>
         </p:txBody>
       </p:sp>
@@ -27201,6 +27197,51 @@
           </a:p>
         </p:txBody>
       </p:sp>
+      <p:pic>
+        <p:nvPicPr>
+          <p:cNvPr id="10" name="Picture 2" descr="photo of outer space">
+            <a:extLst>
+              <a:ext uri="{FF2B5EF4-FFF2-40B4-BE49-F238E27FC236}">
+                <a16:creationId xmlns:a16="http://schemas.microsoft.com/office/drawing/2014/main" id="{6DC2D952-6703-48AD-AE97-42A4301FD204}"/>
+              </a:ext>
+            </a:extLst>
+          </p:cNvPr>
+          <p:cNvPicPr>
+            <a:picLocks noChangeAspect="1" noChangeArrowheads="1"/>
+          </p:cNvPicPr>
+          <p:nvPr/>
+        </p:nvPicPr>
+        <p:blipFill rotWithShape="1">
+          <a:blip r:embed="rId6">
+            <a:extLst>
+              <a:ext uri="{28A0092B-C50C-407E-A947-70E740481C1C}">
+                <a14:useLocalDpi xmlns:a14="http://schemas.microsoft.com/office/drawing/2010/main" val="0"/>
+              </a:ext>
+            </a:extLst>
+          </a:blip>
+          <a:srcRect t="23528" b="41523"/>
+          <a:stretch/>
+        </p:blipFill>
+        <p:spPr bwMode="auto">
+          <a:xfrm>
+            <a:off x="238757" y="2941219"/>
+            <a:ext cx="8689242" cy="2019600"/>
+          </a:xfrm>
+          <a:prstGeom prst="rect">
+            <a:avLst/>
+          </a:prstGeom>
+          <a:noFill/>
+          <a:extLst>
+            <a:ext uri="{909E8E84-426E-40DD-AFC4-6F175D3DCCD1}">
+              <a14:hiddenFill xmlns:a14="http://schemas.microsoft.com/office/drawing/2010/main">
+                <a:solidFill>
+                  <a:srgbClr val="FFFFFF"/>
+                </a:solidFill>
+              </a14:hiddenFill>
+            </a:ext>
+          </a:extLst>
+        </p:spPr>
+      </p:pic>
     </p:spTree>
     <p:extLst>
       <p:ext uri="{BB962C8B-B14F-4D97-AF65-F5344CB8AC3E}">
@@ -27254,12 +27295,19 @@
           <a:p>
             <a:r>
               <a:rPr lang="en-GB" dirty="0">
+                <a:solidFill>
+                  <a:schemeClr val="tx2"/>
+                </a:solidFill>
                 <a:latin typeface="Arial"/>
                 <a:cs typeface="Arial"/>
               </a:rPr>
               <a:t>Function Arguments</a:t>
             </a:r>
-            <a:endParaRPr lang="en-GB" dirty="0"/>
+            <a:endParaRPr lang="en-GB" dirty="0">
+              <a:solidFill>
+                <a:schemeClr val="tx2"/>
+              </a:solidFill>
+            </a:endParaRPr>
           </a:p>
         </p:txBody>
       </p:sp>
@@ -27293,35 +27341,6 @@
           </a:p>
         </p:txBody>
       </p:sp>
-      <p:pic>
-        <p:nvPicPr>
-          <p:cNvPr id="11" name="Picture 10">
-            <a:extLst>
-              <a:ext uri="{FF2B5EF4-FFF2-40B4-BE49-F238E27FC236}">
-                <a16:creationId xmlns:a16="http://schemas.microsoft.com/office/drawing/2014/main" id="{AE10D547-F5D1-43D9-93EA-E166E3C73F57}"/>
-              </a:ext>
-            </a:extLst>
-          </p:cNvPr>
-          <p:cNvPicPr>
-            <a:picLocks noChangeAspect="1"/>
-          </p:cNvPicPr>
-          <p:nvPr/>
-        </p:nvPicPr>
-        <p:blipFill rotWithShape="1">
-          <a:blip r:embed="rId2"/>
-          <a:srcRect l="2982" t="3174" r="2869" b="2900"/>
-          <a:stretch/>
-        </p:blipFill>
-        <p:spPr>
-          <a:xfrm>
-            <a:off x="8576572" y="4598283"/>
-            <a:ext cx="498106" cy="496941"/>
-          </a:xfrm>
-          <a:prstGeom prst="ellipse">
-            <a:avLst/>
-          </a:prstGeom>
-        </p:spPr>
-      </p:pic>
       <p:sp>
         <p:nvSpPr>
           <p:cNvPr id="8" name="Text Placeholder 2">
@@ -27527,7 +27546,7 @@
           <p:nvPr/>
         </p:nvPicPr>
         <p:blipFill>
-          <a:blip r:embed="rId3"/>
+          <a:blip r:embed="rId2"/>
           <a:stretch>
             <a:fillRect/>
           </a:stretch>
@@ -27596,6 +27615,43 @@
           </a:p>
         </p:txBody>
       </p:sp>
+      <p:pic>
+        <p:nvPicPr>
+          <p:cNvPr id="9" name="Picture 8" descr="A picture containing stool&#10;&#10;Description automatically generated">
+            <a:extLst>
+              <a:ext uri="{FF2B5EF4-FFF2-40B4-BE49-F238E27FC236}">
+                <a16:creationId xmlns:a16="http://schemas.microsoft.com/office/drawing/2014/main" id="{A8673AA1-166B-4696-9F2E-BF1EB5A9611C}"/>
+              </a:ext>
+            </a:extLst>
+          </p:cNvPr>
+          <p:cNvPicPr>
+            <a:picLocks noChangeAspect="1"/>
+          </p:cNvPicPr>
+          <p:nvPr/>
+        </p:nvPicPr>
+        <p:blipFill>
+          <a:blip r:embed="rId3"/>
+          <a:stretch>
+            <a:fillRect/>
+          </a:stretch>
+        </p:blipFill>
+        <p:spPr>
+          <a:xfrm>
+            <a:off x="8515735" y="4536281"/>
+            <a:ext cx="558943" cy="558943"/>
+          </a:xfrm>
+          <a:prstGeom prst="ellipse">
+            <a:avLst/>
+          </a:prstGeom>
+          <a:effectLst>
+            <a:outerShdw blurRad="63500" sx="102000" sy="102000" algn="ctr" rotWithShape="0">
+              <a:prstClr val="black">
+                <a:alpha val="40000"/>
+              </a:prstClr>
+            </a:outerShdw>
+          </a:effectLst>
+        </p:spPr>
+      </p:pic>
     </p:spTree>
     <p:extLst>
       <p:ext uri="{BB962C8B-B14F-4D97-AF65-F5344CB8AC3E}">
@@ -27649,12 +27705,19 @@
           <a:p>
             <a:r>
               <a:rPr lang="en-GB" dirty="0">
+                <a:solidFill>
+                  <a:schemeClr val="tx2"/>
+                </a:solidFill>
                 <a:latin typeface="Arial"/>
                 <a:cs typeface="Arial"/>
               </a:rPr>
               <a:t>Function Arguments Puzzles</a:t>
             </a:r>
-            <a:endParaRPr lang="en-GB" dirty="0"/>
+            <a:endParaRPr lang="en-GB" dirty="0">
+              <a:solidFill>
+                <a:schemeClr val="tx2"/>
+              </a:solidFill>
+            </a:endParaRPr>
           </a:p>
         </p:txBody>
       </p:sp>
@@ -27688,35 +27751,6 @@
           </a:p>
         </p:txBody>
       </p:sp>
-      <p:pic>
-        <p:nvPicPr>
-          <p:cNvPr id="11" name="Picture 10">
-            <a:extLst>
-              <a:ext uri="{FF2B5EF4-FFF2-40B4-BE49-F238E27FC236}">
-                <a16:creationId xmlns:a16="http://schemas.microsoft.com/office/drawing/2014/main" id="{AE10D547-F5D1-43D9-93EA-E166E3C73F57}"/>
-              </a:ext>
-            </a:extLst>
-          </p:cNvPr>
-          <p:cNvPicPr>
-            <a:picLocks noChangeAspect="1"/>
-          </p:cNvPicPr>
-          <p:nvPr/>
-        </p:nvPicPr>
-        <p:blipFill rotWithShape="1">
-          <a:blip r:embed="rId2"/>
-          <a:srcRect l="2982" t="3174" r="2869" b="2900"/>
-          <a:stretch/>
-        </p:blipFill>
-        <p:spPr>
-          <a:xfrm>
-            <a:off x="8576572" y="4598283"/>
-            <a:ext cx="498106" cy="496941"/>
-          </a:xfrm>
-          <a:prstGeom prst="ellipse">
-            <a:avLst/>
-          </a:prstGeom>
-        </p:spPr>
-      </p:pic>
       <p:sp>
         <p:nvSpPr>
           <p:cNvPr id="6" name="Text Placeholder 2">
@@ -27975,6 +28009,43 @@
           </a:p>
         </p:txBody>
       </p:sp>
+      <p:pic>
+        <p:nvPicPr>
+          <p:cNvPr id="7" name="Picture 6" descr="A picture containing stool&#10;&#10;Description automatically generated">
+            <a:extLst>
+              <a:ext uri="{FF2B5EF4-FFF2-40B4-BE49-F238E27FC236}">
+                <a16:creationId xmlns:a16="http://schemas.microsoft.com/office/drawing/2014/main" id="{80D34C2D-717E-4481-B577-6B8F3ADA20F8}"/>
+              </a:ext>
+            </a:extLst>
+          </p:cNvPr>
+          <p:cNvPicPr>
+            <a:picLocks noChangeAspect="1"/>
+          </p:cNvPicPr>
+          <p:nvPr/>
+        </p:nvPicPr>
+        <p:blipFill>
+          <a:blip r:embed="rId2"/>
+          <a:stretch>
+            <a:fillRect/>
+          </a:stretch>
+        </p:blipFill>
+        <p:spPr>
+          <a:xfrm>
+            <a:off x="8515735" y="4536281"/>
+            <a:ext cx="558943" cy="558943"/>
+          </a:xfrm>
+          <a:prstGeom prst="ellipse">
+            <a:avLst/>
+          </a:prstGeom>
+          <a:effectLst>
+            <a:outerShdw blurRad="63500" sx="102000" sy="102000" algn="ctr" rotWithShape="0">
+              <a:prstClr val="black">
+                <a:alpha val="40000"/>
+              </a:prstClr>
+            </a:outerShdw>
+          </a:effectLst>
+        </p:spPr>
+      </p:pic>
     </p:spTree>
     <p:extLst>
       <p:ext uri="{BB962C8B-B14F-4D97-AF65-F5344CB8AC3E}">
@@ -28028,12 +28099,19 @@
           <a:p>
             <a:r>
               <a:rPr lang="en-GB" dirty="0">
+                <a:solidFill>
+                  <a:schemeClr val="tx2"/>
+                </a:solidFill>
                 <a:latin typeface="Arial"/>
                 <a:cs typeface="Arial"/>
               </a:rPr>
               <a:t>Function Arguments Puzzles Solutions</a:t>
             </a:r>
-            <a:endParaRPr lang="en-GB" dirty="0"/>
+            <a:endParaRPr lang="en-GB" dirty="0">
+              <a:solidFill>
+                <a:schemeClr val="tx2"/>
+              </a:solidFill>
+            </a:endParaRPr>
           </a:p>
         </p:txBody>
       </p:sp>
@@ -28067,35 +28145,6 @@
           </a:p>
         </p:txBody>
       </p:sp>
-      <p:pic>
-        <p:nvPicPr>
-          <p:cNvPr id="11" name="Picture 10">
-            <a:extLst>
-              <a:ext uri="{FF2B5EF4-FFF2-40B4-BE49-F238E27FC236}">
-                <a16:creationId xmlns:a16="http://schemas.microsoft.com/office/drawing/2014/main" id="{AE10D547-F5D1-43D9-93EA-E166E3C73F57}"/>
-              </a:ext>
-            </a:extLst>
-          </p:cNvPr>
-          <p:cNvPicPr>
-            <a:picLocks noChangeAspect="1"/>
-          </p:cNvPicPr>
-          <p:nvPr/>
-        </p:nvPicPr>
-        <p:blipFill rotWithShape="1">
-          <a:blip r:embed="rId2"/>
-          <a:srcRect l="2982" t="3174" r="2869" b="2900"/>
-          <a:stretch/>
-        </p:blipFill>
-        <p:spPr>
-          <a:xfrm>
-            <a:off x="8576572" y="4598283"/>
-            <a:ext cx="498106" cy="496941"/>
-          </a:xfrm>
-          <a:prstGeom prst="ellipse">
-            <a:avLst/>
-          </a:prstGeom>
-        </p:spPr>
-      </p:pic>
       <p:pic>
         <p:nvPicPr>
           <p:cNvPr id="4" name="Picture 3">
@@ -28111,7 +28160,7 @@
           <p:nvPr/>
         </p:nvPicPr>
         <p:blipFill>
-          <a:blip r:embed="rId3"/>
+          <a:blip r:embed="rId2"/>
           <a:stretch>
             <a:fillRect/>
           </a:stretch>
@@ -28141,6 +28190,36 @@
           <p:nvPr/>
         </p:nvPicPr>
         <p:blipFill>
+          <a:blip r:embed="rId3"/>
+          <a:stretch>
+            <a:fillRect/>
+          </a:stretch>
+        </p:blipFill>
+        <p:spPr>
+          <a:xfrm>
+            <a:off x="2647948" y="3385757"/>
+            <a:ext cx="3848100" cy="638175"/>
+          </a:xfrm>
+          <a:prstGeom prst="rect">
+            <a:avLst/>
+          </a:prstGeom>
+        </p:spPr>
+      </p:pic>
+      <p:pic>
+        <p:nvPicPr>
+          <p:cNvPr id="7" name="Picture 6" descr="A picture containing stool&#10;&#10;Description automatically generated">
+            <a:extLst>
+              <a:ext uri="{FF2B5EF4-FFF2-40B4-BE49-F238E27FC236}">
+                <a16:creationId xmlns:a16="http://schemas.microsoft.com/office/drawing/2014/main" id="{470D08E6-960E-45D0-9177-9D722E33A2A2}"/>
+              </a:ext>
+            </a:extLst>
+          </p:cNvPr>
+          <p:cNvPicPr>
+            <a:picLocks noChangeAspect="1"/>
+          </p:cNvPicPr>
+          <p:nvPr/>
+        </p:nvPicPr>
+        <p:blipFill>
           <a:blip r:embed="rId4"/>
           <a:stretch>
             <a:fillRect/>
@@ -28148,12 +28227,19 @@
         </p:blipFill>
         <p:spPr>
           <a:xfrm>
-            <a:off x="2647948" y="3385757"/>
-            <a:ext cx="3848100" cy="638175"/>
-          </a:xfrm>
-          <a:prstGeom prst="rect">
-            <a:avLst/>
-          </a:prstGeom>
+            <a:off x="8515735" y="4536281"/>
+            <a:ext cx="558943" cy="558943"/>
+          </a:xfrm>
+          <a:prstGeom prst="ellipse">
+            <a:avLst/>
+          </a:prstGeom>
+          <a:effectLst>
+            <a:outerShdw blurRad="63500" sx="102000" sy="102000" algn="ctr" rotWithShape="0">
+              <a:prstClr val="black">
+                <a:alpha val="40000"/>
+              </a:prstClr>
+            </a:outerShdw>
+          </a:effectLst>
         </p:spPr>
       </p:pic>
     </p:spTree>
@@ -28209,12 +28295,19 @@
           <a:p>
             <a:r>
               <a:rPr lang="en-GB" dirty="0">
+                <a:solidFill>
+                  <a:schemeClr val="tx2"/>
+                </a:solidFill>
                 <a:latin typeface="Arial"/>
                 <a:cs typeface="Arial"/>
               </a:rPr>
               <a:t>Recursion</a:t>
             </a:r>
-            <a:endParaRPr lang="en-GB" dirty="0"/>
+            <a:endParaRPr lang="en-GB" dirty="0">
+              <a:solidFill>
+                <a:schemeClr val="tx2"/>
+              </a:solidFill>
+            </a:endParaRPr>
           </a:p>
         </p:txBody>
       </p:sp>
@@ -28248,35 +28341,6 @@
           </a:p>
         </p:txBody>
       </p:sp>
-      <p:pic>
-        <p:nvPicPr>
-          <p:cNvPr id="11" name="Picture 10">
-            <a:extLst>
-              <a:ext uri="{FF2B5EF4-FFF2-40B4-BE49-F238E27FC236}">
-                <a16:creationId xmlns:a16="http://schemas.microsoft.com/office/drawing/2014/main" id="{AE10D547-F5D1-43D9-93EA-E166E3C73F57}"/>
-              </a:ext>
-            </a:extLst>
-          </p:cNvPr>
-          <p:cNvPicPr>
-            <a:picLocks noChangeAspect="1"/>
-          </p:cNvPicPr>
-          <p:nvPr/>
-        </p:nvPicPr>
-        <p:blipFill rotWithShape="1">
-          <a:blip r:embed="rId2"/>
-          <a:srcRect l="2982" t="3174" r="2869" b="2900"/>
-          <a:stretch/>
-        </p:blipFill>
-        <p:spPr>
-          <a:xfrm>
-            <a:off x="8576572" y="4598283"/>
-            <a:ext cx="498106" cy="496941"/>
-          </a:xfrm>
-          <a:prstGeom prst="ellipse">
-            <a:avLst/>
-          </a:prstGeom>
-        </p:spPr>
-      </p:pic>
       <p:sp>
         <p:nvSpPr>
           <p:cNvPr id="6" name="Text Placeholder 2">
@@ -28508,6 +28572,36 @@
           <p:nvPr/>
         </p:nvPicPr>
         <p:blipFill>
+          <a:blip r:embed="rId2"/>
+          <a:stretch>
+            <a:fillRect/>
+          </a:stretch>
+        </p:blipFill>
+        <p:spPr>
+          <a:xfrm>
+            <a:off x="2729110" y="2826025"/>
+            <a:ext cx="3635839" cy="2019067"/>
+          </a:xfrm>
+          <a:prstGeom prst="rect">
+            <a:avLst/>
+          </a:prstGeom>
+        </p:spPr>
+      </p:pic>
+      <p:pic>
+        <p:nvPicPr>
+          <p:cNvPr id="7" name="Picture 6" descr="A picture containing stool&#10;&#10;Description automatically generated">
+            <a:extLst>
+              <a:ext uri="{FF2B5EF4-FFF2-40B4-BE49-F238E27FC236}">
+                <a16:creationId xmlns:a16="http://schemas.microsoft.com/office/drawing/2014/main" id="{B74E076E-036A-4D95-BBAC-AB9B3B3DC79F}"/>
+              </a:ext>
+            </a:extLst>
+          </p:cNvPr>
+          <p:cNvPicPr>
+            <a:picLocks noChangeAspect="1"/>
+          </p:cNvPicPr>
+          <p:nvPr/>
+        </p:nvPicPr>
+        <p:blipFill>
           <a:blip r:embed="rId3"/>
           <a:stretch>
             <a:fillRect/>
@@ -28515,12 +28609,19 @@
         </p:blipFill>
         <p:spPr>
           <a:xfrm>
-            <a:off x="2729110" y="2826025"/>
-            <a:ext cx="3635839" cy="2019067"/>
-          </a:xfrm>
-          <a:prstGeom prst="rect">
-            <a:avLst/>
-          </a:prstGeom>
+            <a:off x="8515735" y="4536281"/>
+            <a:ext cx="558943" cy="558943"/>
+          </a:xfrm>
+          <a:prstGeom prst="ellipse">
+            <a:avLst/>
+          </a:prstGeom>
+          <a:effectLst>
+            <a:outerShdw blurRad="63500" sx="102000" sy="102000" algn="ctr" rotWithShape="0">
+              <a:prstClr val="black">
+                <a:alpha val="40000"/>
+              </a:prstClr>
+            </a:outerShdw>
+          </a:effectLst>
         </p:spPr>
       </p:pic>
     </p:spTree>
@@ -28576,12 +28677,19 @@
           <a:p>
             <a:r>
               <a:rPr lang="en-GB" dirty="0">
+                <a:solidFill>
+                  <a:schemeClr val="tx2"/>
+                </a:solidFill>
                 <a:latin typeface="Arial"/>
                 <a:cs typeface="Arial"/>
               </a:rPr>
               <a:t>Recursion Puzzles</a:t>
             </a:r>
-            <a:endParaRPr lang="en-GB" dirty="0"/>
+            <a:endParaRPr lang="en-GB" dirty="0">
+              <a:solidFill>
+                <a:schemeClr val="tx2"/>
+              </a:solidFill>
+            </a:endParaRPr>
           </a:p>
         </p:txBody>
       </p:sp>
@@ -28615,35 +28723,6 @@
           </a:p>
         </p:txBody>
       </p:sp>
-      <p:pic>
-        <p:nvPicPr>
-          <p:cNvPr id="11" name="Picture 10">
-            <a:extLst>
-              <a:ext uri="{FF2B5EF4-FFF2-40B4-BE49-F238E27FC236}">
-                <a16:creationId xmlns:a16="http://schemas.microsoft.com/office/drawing/2014/main" id="{AE10D547-F5D1-43D9-93EA-E166E3C73F57}"/>
-              </a:ext>
-            </a:extLst>
-          </p:cNvPr>
-          <p:cNvPicPr>
-            <a:picLocks noChangeAspect="1"/>
-          </p:cNvPicPr>
-          <p:nvPr/>
-        </p:nvPicPr>
-        <p:blipFill rotWithShape="1">
-          <a:blip r:embed="rId2"/>
-          <a:srcRect l="2982" t="3174" r="2869" b="2900"/>
-          <a:stretch/>
-        </p:blipFill>
-        <p:spPr>
-          <a:xfrm>
-            <a:off x="8576572" y="4598283"/>
-            <a:ext cx="498106" cy="496941"/>
-          </a:xfrm>
-          <a:prstGeom prst="ellipse">
-            <a:avLst/>
-          </a:prstGeom>
-        </p:spPr>
-      </p:pic>
       <mc:AlternateContent xmlns:mc="http://schemas.openxmlformats.org/markup-compatibility/2006" xmlns:a14="http://schemas.microsoft.com/office/drawing/2010/main">
         <mc:Choice Requires="a14">
           <p:sp>
@@ -29193,6 +29272,43 @@
           </p:sp>
         </mc:Fallback>
       </mc:AlternateContent>
+      <p:pic>
+        <p:nvPicPr>
+          <p:cNvPr id="7" name="Picture 6" descr="A picture containing stool&#10;&#10;Description automatically generated">
+            <a:extLst>
+              <a:ext uri="{FF2B5EF4-FFF2-40B4-BE49-F238E27FC236}">
+                <a16:creationId xmlns:a16="http://schemas.microsoft.com/office/drawing/2014/main" id="{E9E268DC-7EAE-4A99-893F-2DFE776E4316}"/>
+              </a:ext>
+            </a:extLst>
+          </p:cNvPr>
+          <p:cNvPicPr>
+            <a:picLocks noChangeAspect="1"/>
+          </p:cNvPicPr>
+          <p:nvPr/>
+        </p:nvPicPr>
+        <p:blipFill>
+          <a:blip r:embed="rId4"/>
+          <a:stretch>
+            <a:fillRect/>
+          </a:stretch>
+        </p:blipFill>
+        <p:spPr>
+          <a:xfrm>
+            <a:off x="8515735" y="4536281"/>
+            <a:ext cx="558943" cy="558943"/>
+          </a:xfrm>
+          <a:prstGeom prst="ellipse">
+            <a:avLst/>
+          </a:prstGeom>
+          <a:effectLst>
+            <a:outerShdw blurRad="63500" sx="102000" sy="102000" algn="ctr" rotWithShape="0">
+              <a:prstClr val="black">
+                <a:alpha val="40000"/>
+              </a:prstClr>
+            </a:outerShdw>
+          </a:effectLst>
+        </p:spPr>
+      </p:pic>
     </p:spTree>
     <p:extLst>
       <p:ext uri="{BB962C8B-B14F-4D97-AF65-F5344CB8AC3E}">
@@ -29246,12 +29362,19 @@
           <a:p>
             <a:r>
               <a:rPr lang="en-GB" dirty="0">
+                <a:solidFill>
+                  <a:schemeClr val="tx2"/>
+                </a:solidFill>
                 <a:latin typeface="Arial"/>
                 <a:cs typeface="Arial"/>
               </a:rPr>
               <a:t>Recursion Puzzles Solutions</a:t>
             </a:r>
-            <a:endParaRPr lang="en-GB" dirty="0"/>
+            <a:endParaRPr lang="en-GB" dirty="0">
+              <a:solidFill>
+                <a:schemeClr val="tx2"/>
+              </a:solidFill>
+            </a:endParaRPr>
           </a:p>
         </p:txBody>
       </p:sp>
@@ -29285,35 +29408,6 @@
           </a:p>
         </p:txBody>
       </p:sp>
-      <p:pic>
-        <p:nvPicPr>
-          <p:cNvPr id="11" name="Picture 10">
-            <a:extLst>
-              <a:ext uri="{FF2B5EF4-FFF2-40B4-BE49-F238E27FC236}">
-                <a16:creationId xmlns:a16="http://schemas.microsoft.com/office/drawing/2014/main" id="{AE10D547-F5D1-43D9-93EA-E166E3C73F57}"/>
-              </a:ext>
-            </a:extLst>
-          </p:cNvPr>
-          <p:cNvPicPr>
-            <a:picLocks noChangeAspect="1"/>
-          </p:cNvPicPr>
-          <p:nvPr/>
-        </p:nvPicPr>
-        <p:blipFill rotWithShape="1">
-          <a:blip r:embed="rId2"/>
-          <a:srcRect l="2982" t="3174" r="2869" b="2900"/>
-          <a:stretch/>
-        </p:blipFill>
-        <p:spPr>
-          <a:xfrm>
-            <a:off x="8576572" y="4598283"/>
-            <a:ext cx="498106" cy="496941"/>
-          </a:xfrm>
-          <a:prstGeom prst="ellipse">
-            <a:avLst/>
-          </a:prstGeom>
-        </p:spPr>
-      </p:pic>
       <p:pic>
         <p:nvPicPr>
           <p:cNvPr id="4" name="Picture 3">
@@ -29329,6 +29423,36 @@
           <p:nvPr/>
         </p:nvPicPr>
         <p:blipFill>
+          <a:blip r:embed="rId2"/>
+          <a:stretch>
+            <a:fillRect/>
+          </a:stretch>
+        </p:blipFill>
+        <p:spPr>
+          <a:xfrm>
+            <a:off x="2708949" y="1195959"/>
+            <a:ext cx="3726101" cy="2751582"/>
+          </a:xfrm>
+          <a:prstGeom prst="rect">
+            <a:avLst/>
+          </a:prstGeom>
+        </p:spPr>
+      </p:pic>
+      <p:pic>
+        <p:nvPicPr>
+          <p:cNvPr id="6" name="Picture 5" descr="A picture containing stool&#10;&#10;Description automatically generated">
+            <a:extLst>
+              <a:ext uri="{FF2B5EF4-FFF2-40B4-BE49-F238E27FC236}">
+                <a16:creationId xmlns:a16="http://schemas.microsoft.com/office/drawing/2014/main" id="{0157E8E2-4588-4299-8230-72E773D0E10F}"/>
+              </a:ext>
+            </a:extLst>
+          </p:cNvPr>
+          <p:cNvPicPr>
+            <a:picLocks noChangeAspect="1"/>
+          </p:cNvPicPr>
+          <p:nvPr/>
+        </p:nvPicPr>
+        <p:blipFill>
           <a:blip r:embed="rId3"/>
           <a:stretch>
             <a:fillRect/>
@@ -29336,12 +29460,19 @@
         </p:blipFill>
         <p:spPr>
           <a:xfrm>
-            <a:off x="2708949" y="1195959"/>
-            <a:ext cx="3726101" cy="2751582"/>
-          </a:xfrm>
-          <a:prstGeom prst="rect">
-            <a:avLst/>
-          </a:prstGeom>
+            <a:off x="8515735" y="4536281"/>
+            <a:ext cx="558943" cy="558943"/>
+          </a:xfrm>
+          <a:prstGeom prst="ellipse">
+            <a:avLst/>
+          </a:prstGeom>
+          <a:effectLst>
+            <a:outerShdw blurRad="63500" sx="102000" sy="102000" algn="ctr" rotWithShape="0">
+              <a:prstClr val="black">
+                <a:alpha val="40000"/>
+              </a:prstClr>
+            </a:outerShdw>
+          </a:effectLst>
         </p:spPr>
       </p:pic>
     </p:spTree>
@@ -29397,12 +29528,19 @@
           <a:p>
             <a:r>
               <a:rPr lang="en-GB" dirty="0">
+                <a:solidFill>
+                  <a:schemeClr val="tx2"/>
+                </a:solidFill>
                 <a:latin typeface="Arial"/>
                 <a:cs typeface="Arial"/>
               </a:rPr>
               <a:t>Variable Scope</a:t>
             </a:r>
-            <a:endParaRPr lang="en-GB" dirty="0"/>
+            <a:endParaRPr lang="en-GB" dirty="0">
+              <a:solidFill>
+                <a:schemeClr val="tx2"/>
+              </a:solidFill>
+            </a:endParaRPr>
           </a:p>
         </p:txBody>
       </p:sp>
@@ -29436,35 +29574,6 @@
           </a:p>
         </p:txBody>
       </p:sp>
-      <p:pic>
-        <p:nvPicPr>
-          <p:cNvPr id="11" name="Picture 10">
-            <a:extLst>
-              <a:ext uri="{FF2B5EF4-FFF2-40B4-BE49-F238E27FC236}">
-                <a16:creationId xmlns:a16="http://schemas.microsoft.com/office/drawing/2014/main" id="{AE10D547-F5D1-43D9-93EA-E166E3C73F57}"/>
-              </a:ext>
-            </a:extLst>
-          </p:cNvPr>
-          <p:cNvPicPr>
-            <a:picLocks noChangeAspect="1"/>
-          </p:cNvPicPr>
-          <p:nvPr/>
-        </p:nvPicPr>
-        <p:blipFill rotWithShape="1">
-          <a:blip r:embed="rId2"/>
-          <a:srcRect l="2982" t="3174" r="2869" b="2900"/>
-          <a:stretch/>
-        </p:blipFill>
-        <p:spPr>
-          <a:xfrm>
-            <a:off x="8576572" y="4598283"/>
-            <a:ext cx="498106" cy="496941"/>
-          </a:xfrm>
-          <a:prstGeom prst="ellipse">
-            <a:avLst/>
-          </a:prstGeom>
-        </p:spPr>
-      </p:pic>
       <p:sp>
         <p:nvSpPr>
           <p:cNvPr id="8" name="Text Placeholder 2">
@@ -29709,6 +29818,36 @@
           <p:nvPr/>
         </p:nvPicPr>
         <p:blipFill>
+          <a:blip r:embed="rId2"/>
+          <a:stretch>
+            <a:fillRect/>
+          </a:stretch>
+        </p:blipFill>
+        <p:spPr>
+          <a:xfrm>
+            <a:off x="5058637" y="815583"/>
+            <a:ext cx="3517935" cy="3615116"/>
+          </a:xfrm>
+          <a:prstGeom prst="rect">
+            <a:avLst/>
+          </a:prstGeom>
+        </p:spPr>
+      </p:pic>
+      <p:pic>
+        <p:nvPicPr>
+          <p:cNvPr id="7" name="Picture 6" descr="A picture containing stool&#10;&#10;Description automatically generated">
+            <a:extLst>
+              <a:ext uri="{FF2B5EF4-FFF2-40B4-BE49-F238E27FC236}">
+                <a16:creationId xmlns:a16="http://schemas.microsoft.com/office/drawing/2014/main" id="{DC8E61C4-818A-4804-8866-11ECF6895F05}"/>
+              </a:ext>
+            </a:extLst>
+          </p:cNvPr>
+          <p:cNvPicPr>
+            <a:picLocks noChangeAspect="1"/>
+          </p:cNvPicPr>
+          <p:nvPr/>
+        </p:nvPicPr>
+        <p:blipFill>
           <a:blip r:embed="rId3"/>
           <a:stretch>
             <a:fillRect/>
@@ -29716,12 +29855,19 @@
         </p:blipFill>
         <p:spPr>
           <a:xfrm>
-            <a:off x="5058637" y="815583"/>
-            <a:ext cx="3517935" cy="3615116"/>
-          </a:xfrm>
-          <a:prstGeom prst="rect">
-            <a:avLst/>
-          </a:prstGeom>
+            <a:off x="8515735" y="4536281"/>
+            <a:ext cx="558943" cy="558943"/>
+          </a:xfrm>
+          <a:prstGeom prst="ellipse">
+            <a:avLst/>
+          </a:prstGeom>
+          <a:effectLst>
+            <a:outerShdw blurRad="63500" sx="102000" sy="102000" algn="ctr" rotWithShape="0">
+              <a:prstClr val="black">
+                <a:alpha val="40000"/>
+              </a:prstClr>
+            </a:outerShdw>
+          </a:effectLst>
         </p:spPr>
       </p:pic>
     </p:spTree>
@@ -29777,12 +29923,19 @@
           <a:p>
             <a:r>
               <a:rPr lang="en-GB" dirty="0">
+                <a:solidFill>
+                  <a:schemeClr val="tx2"/>
+                </a:solidFill>
                 <a:latin typeface="Arial"/>
                 <a:cs typeface="Arial"/>
               </a:rPr>
               <a:t>Variable Scope</a:t>
             </a:r>
-            <a:endParaRPr lang="en-GB" dirty="0"/>
+            <a:endParaRPr lang="en-GB" dirty="0">
+              <a:solidFill>
+                <a:schemeClr val="tx2"/>
+              </a:solidFill>
+            </a:endParaRPr>
           </a:p>
         </p:txBody>
       </p:sp>
@@ -29816,35 +29969,6 @@
           </a:p>
         </p:txBody>
       </p:sp>
-      <p:pic>
-        <p:nvPicPr>
-          <p:cNvPr id="11" name="Picture 10">
-            <a:extLst>
-              <a:ext uri="{FF2B5EF4-FFF2-40B4-BE49-F238E27FC236}">
-                <a16:creationId xmlns:a16="http://schemas.microsoft.com/office/drawing/2014/main" id="{AE10D547-F5D1-43D9-93EA-E166E3C73F57}"/>
-              </a:ext>
-            </a:extLst>
-          </p:cNvPr>
-          <p:cNvPicPr>
-            <a:picLocks noChangeAspect="1"/>
-          </p:cNvPicPr>
-          <p:nvPr/>
-        </p:nvPicPr>
-        <p:blipFill rotWithShape="1">
-          <a:blip r:embed="rId2"/>
-          <a:srcRect l="2982" t="3174" r="2869" b="2900"/>
-          <a:stretch/>
-        </p:blipFill>
-        <p:spPr>
-          <a:xfrm>
-            <a:off x="8576572" y="4598283"/>
-            <a:ext cx="498106" cy="496941"/>
-          </a:xfrm>
-          <a:prstGeom prst="ellipse">
-            <a:avLst/>
-          </a:prstGeom>
-        </p:spPr>
-      </p:pic>
       <p:sp>
         <p:nvSpPr>
           <p:cNvPr id="6" name="Text Placeholder 2">
@@ -30050,6 +30174,36 @@
           <p:nvPr/>
         </p:nvPicPr>
         <p:blipFill>
+          <a:blip r:embed="rId2"/>
+          <a:stretch>
+            <a:fillRect/>
+          </a:stretch>
+        </p:blipFill>
+        <p:spPr>
+          <a:xfrm>
+            <a:off x="5936492" y="1042987"/>
+            <a:ext cx="2324100" cy="3057525"/>
+          </a:xfrm>
+          <a:prstGeom prst="rect">
+            <a:avLst/>
+          </a:prstGeom>
+        </p:spPr>
+      </p:pic>
+      <p:pic>
+        <p:nvPicPr>
+          <p:cNvPr id="7" name="Picture 6" descr="A picture containing stool&#10;&#10;Description automatically generated">
+            <a:extLst>
+              <a:ext uri="{FF2B5EF4-FFF2-40B4-BE49-F238E27FC236}">
+                <a16:creationId xmlns:a16="http://schemas.microsoft.com/office/drawing/2014/main" id="{D8C9B821-53E1-44D5-B3E9-1F976B652801}"/>
+              </a:ext>
+            </a:extLst>
+          </p:cNvPr>
+          <p:cNvPicPr>
+            <a:picLocks noChangeAspect="1"/>
+          </p:cNvPicPr>
+          <p:nvPr/>
+        </p:nvPicPr>
+        <p:blipFill>
           <a:blip r:embed="rId3"/>
           <a:stretch>
             <a:fillRect/>
@@ -30057,12 +30211,19 @@
         </p:blipFill>
         <p:spPr>
           <a:xfrm>
-            <a:off x="5936492" y="1042987"/>
-            <a:ext cx="2324100" cy="3057525"/>
-          </a:xfrm>
-          <a:prstGeom prst="rect">
-            <a:avLst/>
-          </a:prstGeom>
+            <a:off x="8515735" y="4536281"/>
+            <a:ext cx="558943" cy="558943"/>
+          </a:xfrm>
+          <a:prstGeom prst="ellipse">
+            <a:avLst/>
+          </a:prstGeom>
+          <a:effectLst>
+            <a:outerShdw blurRad="63500" sx="102000" sy="102000" algn="ctr" rotWithShape="0">
+              <a:prstClr val="black">
+                <a:alpha val="40000"/>
+              </a:prstClr>
+            </a:outerShdw>
+          </a:effectLst>
         </p:spPr>
       </p:pic>
     </p:spTree>
@@ -30118,12 +30279,19 @@
           <a:p>
             <a:r>
               <a:rPr lang="en-GB" dirty="0">
+                <a:solidFill>
+                  <a:schemeClr val="tx2"/>
+                </a:solidFill>
                 <a:latin typeface="Arial"/>
                 <a:cs typeface="Arial"/>
               </a:rPr>
               <a:t>Variable Scope Puzzles</a:t>
             </a:r>
-            <a:endParaRPr lang="en-GB" dirty="0"/>
+            <a:endParaRPr lang="en-GB" dirty="0">
+              <a:solidFill>
+                <a:schemeClr val="tx2"/>
+              </a:solidFill>
+            </a:endParaRPr>
           </a:p>
         </p:txBody>
       </p:sp>
@@ -30157,35 +30325,6 @@
           </a:p>
         </p:txBody>
       </p:sp>
-      <p:pic>
-        <p:nvPicPr>
-          <p:cNvPr id="11" name="Picture 10">
-            <a:extLst>
-              <a:ext uri="{FF2B5EF4-FFF2-40B4-BE49-F238E27FC236}">
-                <a16:creationId xmlns:a16="http://schemas.microsoft.com/office/drawing/2014/main" id="{AE10D547-F5D1-43D9-93EA-E166E3C73F57}"/>
-              </a:ext>
-            </a:extLst>
-          </p:cNvPr>
-          <p:cNvPicPr>
-            <a:picLocks noChangeAspect="1"/>
-          </p:cNvPicPr>
-          <p:nvPr/>
-        </p:nvPicPr>
-        <p:blipFill rotWithShape="1">
-          <a:blip r:embed="rId2"/>
-          <a:srcRect l="2982" t="3174" r="2869" b="2900"/>
-          <a:stretch/>
-        </p:blipFill>
-        <p:spPr>
-          <a:xfrm>
-            <a:off x="8576572" y="4598283"/>
-            <a:ext cx="498106" cy="496941"/>
-          </a:xfrm>
-          <a:prstGeom prst="ellipse">
-            <a:avLst/>
-          </a:prstGeom>
-        </p:spPr>
-      </p:pic>
       <p:sp>
         <p:nvSpPr>
           <p:cNvPr id="6" name="Text Placeholder 2">
@@ -30562,7 +30701,7 @@
           <p:nvPr/>
         </p:nvPicPr>
         <p:blipFill>
-          <a:blip r:embed="rId3"/>
+          <a:blip r:embed="rId2"/>
           <a:stretch>
             <a:fillRect/>
           </a:stretch>
@@ -30592,6 +30731,36 @@
           <p:nvPr/>
         </p:nvPicPr>
         <p:blipFill>
+          <a:blip r:embed="rId3"/>
+          <a:stretch>
+            <a:fillRect/>
+          </a:stretch>
+        </p:blipFill>
+        <p:spPr>
+          <a:xfrm>
+            <a:off x="1423218" y="1663975"/>
+            <a:ext cx="1666875" cy="2324100"/>
+          </a:xfrm>
+          <a:prstGeom prst="rect">
+            <a:avLst/>
+          </a:prstGeom>
+        </p:spPr>
+      </p:pic>
+      <p:pic>
+        <p:nvPicPr>
+          <p:cNvPr id="12" name="Picture 11" descr="A picture containing stool&#10;&#10;Description automatically generated">
+            <a:extLst>
+              <a:ext uri="{FF2B5EF4-FFF2-40B4-BE49-F238E27FC236}">
+                <a16:creationId xmlns:a16="http://schemas.microsoft.com/office/drawing/2014/main" id="{0B9D8200-F531-44E7-81D1-49F7EF432787}"/>
+              </a:ext>
+            </a:extLst>
+          </p:cNvPr>
+          <p:cNvPicPr>
+            <a:picLocks noChangeAspect="1"/>
+          </p:cNvPicPr>
+          <p:nvPr/>
+        </p:nvPicPr>
+        <p:blipFill>
           <a:blip r:embed="rId4"/>
           <a:stretch>
             <a:fillRect/>
@@ -30599,12 +30768,19 @@
         </p:blipFill>
         <p:spPr>
           <a:xfrm>
-            <a:off x="1423218" y="1663975"/>
-            <a:ext cx="1666875" cy="2324100"/>
-          </a:xfrm>
-          <a:prstGeom prst="rect">
-            <a:avLst/>
-          </a:prstGeom>
+            <a:off x="8515735" y="4536281"/>
+            <a:ext cx="558943" cy="558943"/>
+          </a:xfrm>
+          <a:prstGeom prst="ellipse">
+            <a:avLst/>
+          </a:prstGeom>
+          <a:effectLst>
+            <a:outerShdw blurRad="63500" sx="102000" sy="102000" algn="ctr" rotWithShape="0">
+              <a:prstClr val="black">
+                <a:alpha val="40000"/>
+              </a:prstClr>
+            </a:outerShdw>
+          </a:effectLst>
         </p:spPr>
       </p:pic>
     </p:spTree>
@@ -30660,12 +30836,19 @@
           <a:p>
             <a:r>
               <a:rPr lang="en-GB" dirty="0">
+                <a:solidFill>
+                  <a:schemeClr val="tx2"/>
+                </a:solidFill>
                 <a:latin typeface="Arial"/>
                 <a:cs typeface="Arial"/>
               </a:rPr>
               <a:t>Variable Scope Puzzles Solutions</a:t>
             </a:r>
-            <a:endParaRPr lang="en-GB" dirty="0"/>
+            <a:endParaRPr lang="en-GB" dirty="0">
+              <a:solidFill>
+                <a:schemeClr val="tx2"/>
+              </a:solidFill>
+            </a:endParaRPr>
           </a:p>
         </p:txBody>
       </p:sp>
@@ -30699,35 +30882,6 @@
           </a:p>
         </p:txBody>
       </p:sp>
-      <p:pic>
-        <p:nvPicPr>
-          <p:cNvPr id="11" name="Picture 10">
-            <a:extLst>
-              <a:ext uri="{FF2B5EF4-FFF2-40B4-BE49-F238E27FC236}">
-                <a16:creationId xmlns:a16="http://schemas.microsoft.com/office/drawing/2014/main" id="{AE10D547-F5D1-43D9-93EA-E166E3C73F57}"/>
-              </a:ext>
-            </a:extLst>
-          </p:cNvPr>
-          <p:cNvPicPr>
-            <a:picLocks noChangeAspect="1"/>
-          </p:cNvPicPr>
-          <p:nvPr/>
-        </p:nvPicPr>
-        <p:blipFill rotWithShape="1">
-          <a:blip r:embed="rId2"/>
-          <a:srcRect l="2982" t="3174" r="2869" b="2900"/>
-          <a:stretch/>
-        </p:blipFill>
-        <p:spPr>
-          <a:xfrm>
-            <a:off x="8576572" y="4598283"/>
-            <a:ext cx="498106" cy="496941"/>
-          </a:xfrm>
-          <a:prstGeom prst="ellipse">
-            <a:avLst/>
-          </a:prstGeom>
-        </p:spPr>
-      </p:pic>
       <p:pic>
         <p:nvPicPr>
           <p:cNvPr id="4" name="Picture 3">
@@ -30743,7 +30897,7 @@
           <p:nvPr/>
         </p:nvPicPr>
         <p:blipFill>
-          <a:blip r:embed="rId3"/>
+          <a:blip r:embed="rId2"/>
           <a:stretch>
             <a:fillRect/>
           </a:stretch>
@@ -30773,6 +30927,36 @@
           <p:nvPr/>
         </p:nvPicPr>
         <p:blipFill>
+          <a:blip r:embed="rId3"/>
+          <a:stretch>
+            <a:fillRect/>
+          </a:stretch>
+        </p:blipFill>
+        <p:spPr>
+          <a:xfrm>
+            <a:off x="1813047" y="1094379"/>
+            <a:ext cx="1685925" cy="3057525"/>
+          </a:xfrm>
+          <a:prstGeom prst="rect">
+            <a:avLst/>
+          </a:prstGeom>
+        </p:spPr>
+      </p:pic>
+      <p:pic>
+        <p:nvPicPr>
+          <p:cNvPr id="7" name="Picture 6" descr="A picture containing stool&#10;&#10;Description automatically generated">
+            <a:extLst>
+              <a:ext uri="{FF2B5EF4-FFF2-40B4-BE49-F238E27FC236}">
+                <a16:creationId xmlns:a16="http://schemas.microsoft.com/office/drawing/2014/main" id="{C134A1D7-9971-44BA-B8CB-E46EC5C7C46A}"/>
+              </a:ext>
+            </a:extLst>
+          </p:cNvPr>
+          <p:cNvPicPr>
+            <a:picLocks noChangeAspect="1"/>
+          </p:cNvPicPr>
+          <p:nvPr/>
+        </p:nvPicPr>
+        <p:blipFill>
           <a:blip r:embed="rId4"/>
           <a:stretch>
             <a:fillRect/>
@@ -30780,12 +30964,19 @@
         </p:blipFill>
         <p:spPr>
           <a:xfrm>
-            <a:off x="1813047" y="1094379"/>
-            <a:ext cx="1685925" cy="3057525"/>
-          </a:xfrm>
-          <a:prstGeom prst="rect">
-            <a:avLst/>
-          </a:prstGeom>
+            <a:off x="8515735" y="4536281"/>
+            <a:ext cx="558943" cy="558943"/>
+          </a:xfrm>
+          <a:prstGeom prst="ellipse">
+            <a:avLst/>
+          </a:prstGeom>
+          <a:effectLst>
+            <a:outerShdw blurRad="63500" sx="102000" sy="102000" algn="ctr" rotWithShape="0">
+              <a:prstClr val="black">
+                <a:alpha val="40000"/>
+              </a:prstClr>
+            </a:outerShdw>
+          </a:effectLst>
         </p:spPr>
       </p:pic>
     </p:spTree>
@@ -30882,35 +31073,6 @@
       </p:sp>
       <p:pic>
         <p:nvPicPr>
-          <p:cNvPr id="6" name="Picture 5">
-            <a:extLst>
-              <a:ext uri="{FF2B5EF4-FFF2-40B4-BE49-F238E27FC236}">
-                <a16:creationId xmlns:a16="http://schemas.microsoft.com/office/drawing/2014/main" id="{37949AE5-D60E-4936-B98F-425E2E107293}"/>
-              </a:ext>
-            </a:extLst>
-          </p:cNvPr>
-          <p:cNvPicPr>
-            <a:picLocks noChangeAspect="1"/>
-          </p:cNvPicPr>
-          <p:nvPr/>
-        </p:nvPicPr>
-        <p:blipFill rotWithShape="1">
-          <a:blip r:embed="rId2"/>
-          <a:srcRect l="2982" t="3174" r="2869" b="2900"/>
-          <a:stretch/>
-        </p:blipFill>
-        <p:spPr>
-          <a:xfrm>
-            <a:off x="8576572" y="4598283"/>
-            <a:ext cx="498106" cy="496941"/>
-          </a:xfrm>
-          <a:prstGeom prst="ellipse">
-            <a:avLst/>
-          </a:prstGeom>
-        </p:spPr>
-      </p:pic>
-      <p:pic>
-        <p:nvPicPr>
           <p:cNvPr id="28674" name="Picture 2" descr="Checklist vector icon | Free SVG">
             <a:extLst>
               <a:ext uri="{FF2B5EF4-FFF2-40B4-BE49-F238E27FC236}">
@@ -30924,7 +31086,7 @@
           <p:nvPr/>
         </p:nvPicPr>
         <p:blipFill>
-          <a:blip r:embed="rId3">
+          <a:blip r:embed="rId2">
             <a:extLst>
               <a:ext uri="{28A0092B-C50C-407E-A947-70E740481C1C}">
                 <a14:useLocalDpi xmlns:a14="http://schemas.microsoft.com/office/drawing/2010/main" val="0"/>
@@ -31035,6 +31197,43 @@
           </a:p>
         </p:txBody>
       </p:sp>
+      <p:pic>
+        <p:nvPicPr>
+          <p:cNvPr id="7" name="Picture 6" descr="A picture containing stool&#10;&#10;Description automatically generated">
+            <a:extLst>
+              <a:ext uri="{FF2B5EF4-FFF2-40B4-BE49-F238E27FC236}">
+                <a16:creationId xmlns:a16="http://schemas.microsoft.com/office/drawing/2014/main" id="{1BB7D816-65FA-4CAD-BBFA-32CB05803C9D}"/>
+              </a:ext>
+            </a:extLst>
+          </p:cNvPr>
+          <p:cNvPicPr>
+            <a:picLocks noChangeAspect="1"/>
+          </p:cNvPicPr>
+          <p:nvPr/>
+        </p:nvPicPr>
+        <p:blipFill>
+          <a:blip r:embed="rId3"/>
+          <a:stretch>
+            <a:fillRect/>
+          </a:stretch>
+        </p:blipFill>
+        <p:spPr>
+          <a:xfrm>
+            <a:off x="8515735" y="4536281"/>
+            <a:ext cx="558943" cy="558943"/>
+          </a:xfrm>
+          <a:prstGeom prst="ellipse">
+            <a:avLst/>
+          </a:prstGeom>
+          <a:effectLst>
+            <a:outerShdw blurRad="63500" sx="102000" sy="102000" algn="ctr" rotWithShape="0">
+              <a:prstClr val="black">
+                <a:alpha val="40000"/>
+              </a:prstClr>
+            </a:outerShdw>
+          </a:effectLst>
+        </p:spPr>
+      </p:pic>
     </p:spTree>
     <p:extLst>
       <p:ext uri="{BB962C8B-B14F-4D97-AF65-F5344CB8AC3E}">
@@ -31087,7 +31286,11 @@
           <a:lstStyle/>
           <a:p>
             <a:r>
-              <a:rPr lang="en-GB" dirty="0"/>
+              <a:rPr lang="en-GB" dirty="0">
+                <a:solidFill>
+                  <a:schemeClr val="tx2"/>
+                </a:solidFill>
+              </a:rPr>
               <a:t>Functions</a:t>
             </a:r>
           </a:p>
@@ -31123,35 +31326,6 @@
           </a:p>
         </p:txBody>
       </p:sp>
-      <p:pic>
-        <p:nvPicPr>
-          <p:cNvPr id="11" name="Picture 10">
-            <a:extLst>
-              <a:ext uri="{FF2B5EF4-FFF2-40B4-BE49-F238E27FC236}">
-                <a16:creationId xmlns:a16="http://schemas.microsoft.com/office/drawing/2014/main" id="{AE10D547-F5D1-43D9-93EA-E166E3C73F57}"/>
-              </a:ext>
-            </a:extLst>
-          </p:cNvPr>
-          <p:cNvPicPr>
-            <a:picLocks noChangeAspect="1"/>
-          </p:cNvPicPr>
-          <p:nvPr/>
-        </p:nvPicPr>
-        <p:blipFill rotWithShape="1">
-          <a:blip r:embed="rId2"/>
-          <a:srcRect l="2982" t="3174" r="2869" b="2900"/>
-          <a:stretch/>
-        </p:blipFill>
-        <p:spPr>
-          <a:xfrm>
-            <a:off x="8576572" y="4598283"/>
-            <a:ext cx="498106" cy="496941"/>
-          </a:xfrm>
-          <a:prstGeom prst="ellipse">
-            <a:avLst/>
-          </a:prstGeom>
-        </p:spPr>
-      </p:pic>
       <p:sp>
         <p:nvSpPr>
           <p:cNvPr id="6" name="Text Placeholder 2">
@@ -31472,6 +31646,36 @@
           <p:nvPr/>
         </p:nvPicPr>
         <p:blipFill>
+          <a:blip r:embed="rId2"/>
+          <a:stretch>
+            <a:fillRect/>
+          </a:stretch>
+        </p:blipFill>
+        <p:spPr>
+          <a:xfrm>
+            <a:off x="3024187" y="2345012"/>
+            <a:ext cx="3095625" cy="962025"/>
+          </a:xfrm>
+          <a:prstGeom prst="rect">
+            <a:avLst/>
+          </a:prstGeom>
+        </p:spPr>
+      </p:pic>
+      <p:pic>
+        <p:nvPicPr>
+          <p:cNvPr id="7" name="Picture 6" descr="A picture containing stool&#10;&#10;Description automatically generated">
+            <a:extLst>
+              <a:ext uri="{FF2B5EF4-FFF2-40B4-BE49-F238E27FC236}">
+                <a16:creationId xmlns:a16="http://schemas.microsoft.com/office/drawing/2014/main" id="{6C939B4F-4E8D-4EEA-938A-7C5E0A62641E}"/>
+              </a:ext>
+            </a:extLst>
+          </p:cNvPr>
+          <p:cNvPicPr>
+            <a:picLocks noChangeAspect="1"/>
+          </p:cNvPicPr>
+          <p:nvPr/>
+        </p:nvPicPr>
+        <p:blipFill>
           <a:blip r:embed="rId3"/>
           <a:stretch>
             <a:fillRect/>
@@ -31479,12 +31683,19 @@
         </p:blipFill>
         <p:spPr>
           <a:xfrm>
-            <a:off x="3024187" y="2345012"/>
-            <a:ext cx="3095625" cy="962025"/>
-          </a:xfrm>
-          <a:prstGeom prst="rect">
-            <a:avLst/>
-          </a:prstGeom>
+            <a:off x="8515735" y="4536281"/>
+            <a:ext cx="558943" cy="558943"/>
+          </a:xfrm>
+          <a:prstGeom prst="ellipse">
+            <a:avLst/>
+          </a:prstGeom>
+          <a:effectLst>
+            <a:outerShdw blurRad="63500" sx="102000" sy="102000" algn="ctr" rotWithShape="0">
+              <a:prstClr val="black">
+                <a:alpha val="40000"/>
+              </a:prstClr>
+            </a:outerShdw>
+          </a:effectLst>
         </p:spPr>
       </p:pic>
     </p:spTree>
@@ -31540,12 +31751,19 @@
           <a:p>
             <a:r>
               <a:rPr lang="en-GB" dirty="0">
+                <a:solidFill>
+                  <a:schemeClr val="tx2"/>
+                </a:solidFill>
                 <a:latin typeface="Arial"/>
                 <a:cs typeface="Arial"/>
               </a:rPr>
               <a:t>Functions</a:t>
             </a:r>
-            <a:endParaRPr lang="en-GB" dirty="0"/>
+            <a:endParaRPr lang="en-GB" dirty="0">
+              <a:solidFill>
+                <a:schemeClr val="tx2"/>
+              </a:solidFill>
+            </a:endParaRPr>
           </a:p>
         </p:txBody>
       </p:sp>
@@ -31579,35 +31797,6 @@
           </a:p>
         </p:txBody>
       </p:sp>
-      <p:pic>
-        <p:nvPicPr>
-          <p:cNvPr id="11" name="Picture 10">
-            <a:extLst>
-              <a:ext uri="{FF2B5EF4-FFF2-40B4-BE49-F238E27FC236}">
-                <a16:creationId xmlns:a16="http://schemas.microsoft.com/office/drawing/2014/main" id="{AE10D547-F5D1-43D9-93EA-E166E3C73F57}"/>
-              </a:ext>
-            </a:extLst>
-          </p:cNvPr>
-          <p:cNvPicPr>
-            <a:picLocks noChangeAspect="1"/>
-          </p:cNvPicPr>
-          <p:nvPr/>
-        </p:nvPicPr>
-        <p:blipFill rotWithShape="1">
-          <a:blip r:embed="rId2"/>
-          <a:srcRect l="2982" t="3174" r="2869" b="2900"/>
-          <a:stretch/>
-        </p:blipFill>
-        <p:spPr>
-          <a:xfrm>
-            <a:off x="8576572" y="4598283"/>
-            <a:ext cx="498106" cy="496941"/>
-          </a:xfrm>
-          <a:prstGeom prst="ellipse">
-            <a:avLst/>
-          </a:prstGeom>
-        </p:spPr>
-      </p:pic>
       <p:sp>
         <p:nvSpPr>
           <p:cNvPr id="6" name="Text Placeholder 2">
@@ -31813,7 +32002,7 @@
           <p:nvPr/>
         </p:nvPicPr>
         <p:blipFill>
-          <a:blip r:embed="rId3"/>
+          <a:blip r:embed="rId2"/>
           <a:stretch>
             <a:fillRect/>
           </a:stretch>
@@ -31843,7 +32032,7 @@
           <p:nvPr/>
         </p:nvPicPr>
         <p:blipFill>
-          <a:blip r:embed="rId4"/>
+          <a:blip r:embed="rId3"/>
           <a:stretch>
             <a:fillRect/>
           </a:stretch>
@@ -31912,6 +32101,43 @@
           </a:p>
         </p:txBody>
       </p:sp>
+      <p:pic>
+        <p:nvPicPr>
+          <p:cNvPr id="9" name="Picture 8" descr="A picture containing stool&#10;&#10;Description automatically generated">
+            <a:extLst>
+              <a:ext uri="{FF2B5EF4-FFF2-40B4-BE49-F238E27FC236}">
+                <a16:creationId xmlns:a16="http://schemas.microsoft.com/office/drawing/2014/main" id="{D63B8736-6EA9-4250-9132-F7BCBB9F85DA}"/>
+              </a:ext>
+            </a:extLst>
+          </p:cNvPr>
+          <p:cNvPicPr>
+            <a:picLocks noChangeAspect="1"/>
+          </p:cNvPicPr>
+          <p:nvPr/>
+        </p:nvPicPr>
+        <p:blipFill>
+          <a:blip r:embed="rId4"/>
+          <a:stretch>
+            <a:fillRect/>
+          </a:stretch>
+        </p:blipFill>
+        <p:spPr>
+          <a:xfrm>
+            <a:off x="8515735" y="4536281"/>
+            <a:ext cx="558943" cy="558943"/>
+          </a:xfrm>
+          <a:prstGeom prst="ellipse">
+            <a:avLst/>
+          </a:prstGeom>
+          <a:effectLst>
+            <a:outerShdw blurRad="63500" sx="102000" sy="102000" algn="ctr" rotWithShape="0">
+              <a:prstClr val="black">
+                <a:alpha val="40000"/>
+              </a:prstClr>
+            </a:outerShdw>
+          </a:effectLst>
+        </p:spPr>
+      </p:pic>
     </p:spTree>
     <p:extLst>
       <p:ext uri="{BB962C8B-B14F-4D97-AF65-F5344CB8AC3E}">
@@ -31965,12 +32191,19 @@
           <a:p>
             <a:r>
               <a:rPr lang="en-GB" dirty="0">
+                <a:solidFill>
+                  <a:schemeClr val="tx2"/>
+                </a:solidFill>
                 <a:latin typeface="Arial"/>
                 <a:cs typeface="Arial"/>
               </a:rPr>
               <a:t>Functions</a:t>
             </a:r>
-            <a:endParaRPr lang="en-GB" dirty="0"/>
+            <a:endParaRPr lang="en-GB" dirty="0">
+              <a:solidFill>
+                <a:schemeClr val="tx2"/>
+              </a:solidFill>
+            </a:endParaRPr>
           </a:p>
         </p:txBody>
       </p:sp>
@@ -32004,35 +32237,6 @@
           </a:p>
         </p:txBody>
       </p:sp>
-      <p:pic>
-        <p:nvPicPr>
-          <p:cNvPr id="11" name="Picture 10">
-            <a:extLst>
-              <a:ext uri="{FF2B5EF4-FFF2-40B4-BE49-F238E27FC236}">
-                <a16:creationId xmlns:a16="http://schemas.microsoft.com/office/drawing/2014/main" id="{AE10D547-F5D1-43D9-93EA-E166E3C73F57}"/>
-              </a:ext>
-            </a:extLst>
-          </p:cNvPr>
-          <p:cNvPicPr>
-            <a:picLocks noChangeAspect="1"/>
-          </p:cNvPicPr>
-          <p:nvPr/>
-        </p:nvPicPr>
-        <p:blipFill rotWithShape="1">
-          <a:blip r:embed="rId2"/>
-          <a:srcRect l="2982" t="3174" r="2869" b="2900"/>
-          <a:stretch/>
-        </p:blipFill>
-        <p:spPr>
-          <a:xfrm>
-            <a:off x="8576572" y="4598283"/>
-            <a:ext cx="498106" cy="496941"/>
-          </a:xfrm>
-          <a:prstGeom prst="ellipse">
-            <a:avLst/>
-          </a:prstGeom>
-        </p:spPr>
-      </p:pic>
       <p:sp>
         <p:nvSpPr>
           <p:cNvPr id="6" name="Text Placeholder 2">
@@ -32251,7 +32455,7 @@
           <p:nvPr/>
         </p:nvPicPr>
         <p:blipFill>
-          <a:blip r:embed="rId3"/>
+          <a:blip r:embed="rId2"/>
           <a:stretch>
             <a:fillRect/>
           </a:stretch>
@@ -32281,6 +32485,36 @@
           <p:nvPr/>
         </p:nvPicPr>
         <p:blipFill>
+          <a:blip r:embed="rId3"/>
+          <a:stretch>
+            <a:fillRect/>
+          </a:stretch>
+        </p:blipFill>
+        <p:spPr>
+          <a:xfrm>
+            <a:off x="5396811" y="2831973"/>
+            <a:ext cx="1476375" cy="1162050"/>
+          </a:xfrm>
+          <a:prstGeom prst="rect">
+            <a:avLst/>
+          </a:prstGeom>
+        </p:spPr>
+      </p:pic>
+      <p:pic>
+        <p:nvPicPr>
+          <p:cNvPr id="8" name="Picture 7" descr="A picture containing stool&#10;&#10;Description automatically generated">
+            <a:extLst>
+              <a:ext uri="{FF2B5EF4-FFF2-40B4-BE49-F238E27FC236}">
+                <a16:creationId xmlns:a16="http://schemas.microsoft.com/office/drawing/2014/main" id="{415A3C3D-57CE-4D9D-8B5B-25FCA4CE0C01}"/>
+              </a:ext>
+            </a:extLst>
+          </p:cNvPr>
+          <p:cNvPicPr>
+            <a:picLocks noChangeAspect="1"/>
+          </p:cNvPicPr>
+          <p:nvPr/>
+        </p:nvPicPr>
+        <p:blipFill>
           <a:blip r:embed="rId4"/>
           <a:stretch>
             <a:fillRect/>
@@ -32288,12 +32522,19 @@
         </p:blipFill>
         <p:spPr>
           <a:xfrm>
-            <a:off x="5396811" y="2831973"/>
-            <a:ext cx="1476375" cy="1162050"/>
-          </a:xfrm>
-          <a:prstGeom prst="rect">
-            <a:avLst/>
-          </a:prstGeom>
+            <a:off x="8515735" y="4536281"/>
+            <a:ext cx="558943" cy="558943"/>
+          </a:xfrm>
+          <a:prstGeom prst="ellipse">
+            <a:avLst/>
+          </a:prstGeom>
+          <a:effectLst>
+            <a:outerShdw blurRad="63500" sx="102000" sy="102000" algn="ctr" rotWithShape="0">
+              <a:prstClr val="black">
+                <a:alpha val="40000"/>
+              </a:prstClr>
+            </a:outerShdw>
+          </a:effectLst>
         </p:spPr>
       </p:pic>
     </p:spTree>
@@ -32349,12 +32590,19 @@
           <a:p>
             <a:r>
               <a:rPr lang="en-GB" dirty="0">
+                <a:solidFill>
+                  <a:schemeClr val="tx2"/>
+                </a:solidFill>
                 <a:latin typeface="Arial"/>
                 <a:cs typeface="Arial"/>
               </a:rPr>
               <a:t>Functions Puzzles</a:t>
             </a:r>
-            <a:endParaRPr lang="en-GB" dirty="0"/>
+            <a:endParaRPr lang="en-GB" dirty="0">
+              <a:solidFill>
+                <a:schemeClr val="tx2"/>
+              </a:solidFill>
+            </a:endParaRPr>
           </a:p>
         </p:txBody>
       </p:sp>
@@ -32388,35 +32636,6 @@
           </a:p>
         </p:txBody>
       </p:sp>
-      <p:pic>
-        <p:nvPicPr>
-          <p:cNvPr id="11" name="Picture 10">
-            <a:extLst>
-              <a:ext uri="{FF2B5EF4-FFF2-40B4-BE49-F238E27FC236}">
-                <a16:creationId xmlns:a16="http://schemas.microsoft.com/office/drawing/2014/main" id="{AE10D547-F5D1-43D9-93EA-E166E3C73F57}"/>
-              </a:ext>
-            </a:extLst>
-          </p:cNvPr>
-          <p:cNvPicPr>
-            <a:picLocks noChangeAspect="1"/>
-          </p:cNvPicPr>
-          <p:nvPr/>
-        </p:nvPicPr>
-        <p:blipFill rotWithShape="1">
-          <a:blip r:embed="rId2"/>
-          <a:srcRect l="2982" t="3174" r="2869" b="2900"/>
-          <a:stretch/>
-        </p:blipFill>
-        <p:spPr>
-          <a:xfrm>
-            <a:off x="8576572" y="4598283"/>
-            <a:ext cx="498106" cy="496941"/>
-          </a:xfrm>
-          <a:prstGeom prst="ellipse">
-            <a:avLst/>
-          </a:prstGeom>
-        </p:spPr>
-      </p:pic>
       <p:sp>
         <p:nvSpPr>
           <p:cNvPr id="6" name="Text Placeholder 2">
@@ -32684,6 +32903,43 @@
           </a:p>
         </p:txBody>
       </p:sp>
+      <p:pic>
+        <p:nvPicPr>
+          <p:cNvPr id="7" name="Picture 6" descr="A picture containing stool&#10;&#10;Description automatically generated">
+            <a:extLst>
+              <a:ext uri="{FF2B5EF4-FFF2-40B4-BE49-F238E27FC236}">
+                <a16:creationId xmlns:a16="http://schemas.microsoft.com/office/drawing/2014/main" id="{592D77EE-4731-48D5-9EAD-F26642569FB1}"/>
+              </a:ext>
+            </a:extLst>
+          </p:cNvPr>
+          <p:cNvPicPr>
+            <a:picLocks noChangeAspect="1"/>
+          </p:cNvPicPr>
+          <p:nvPr/>
+        </p:nvPicPr>
+        <p:blipFill>
+          <a:blip r:embed="rId2"/>
+          <a:stretch>
+            <a:fillRect/>
+          </a:stretch>
+        </p:blipFill>
+        <p:spPr>
+          <a:xfrm>
+            <a:off x="8515735" y="4536281"/>
+            <a:ext cx="558943" cy="558943"/>
+          </a:xfrm>
+          <a:prstGeom prst="ellipse">
+            <a:avLst/>
+          </a:prstGeom>
+          <a:effectLst>
+            <a:outerShdw blurRad="63500" sx="102000" sy="102000" algn="ctr" rotWithShape="0">
+              <a:prstClr val="black">
+                <a:alpha val="40000"/>
+              </a:prstClr>
+            </a:outerShdw>
+          </a:effectLst>
+        </p:spPr>
+      </p:pic>
     </p:spTree>
     <p:extLst>
       <p:ext uri="{BB962C8B-B14F-4D97-AF65-F5344CB8AC3E}">
@@ -32737,12 +32993,19 @@
           <a:p>
             <a:r>
               <a:rPr lang="en-GB" dirty="0">
+                <a:solidFill>
+                  <a:schemeClr val="tx2"/>
+                </a:solidFill>
                 <a:latin typeface="Arial"/>
                 <a:cs typeface="Arial"/>
               </a:rPr>
               <a:t>Functions Puzzles Solutions</a:t>
             </a:r>
-            <a:endParaRPr lang="en-GB" dirty="0"/>
+            <a:endParaRPr lang="en-GB" dirty="0">
+              <a:solidFill>
+                <a:schemeClr val="tx2"/>
+              </a:solidFill>
+            </a:endParaRPr>
           </a:p>
         </p:txBody>
       </p:sp>
@@ -32776,35 +33039,6 @@
           </a:p>
         </p:txBody>
       </p:sp>
-      <p:pic>
-        <p:nvPicPr>
-          <p:cNvPr id="11" name="Picture 10">
-            <a:extLst>
-              <a:ext uri="{FF2B5EF4-FFF2-40B4-BE49-F238E27FC236}">
-                <a16:creationId xmlns:a16="http://schemas.microsoft.com/office/drawing/2014/main" id="{AE10D547-F5D1-43D9-93EA-E166E3C73F57}"/>
-              </a:ext>
-            </a:extLst>
-          </p:cNvPr>
-          <p:cNvPicPr>
-            <a:picLocks noChangeAspect="1"/>
-          </p:cNvPicPr>
-          <p:nvPr/>
-        </p:nvPicPr>
-        <p:blipFill rotWithShape="1">
-          <a:blip r:embed="rId2"/>
-          <a:srcRect l="2982" t="3174" r="2869" b="2900"/>
-          <a:stretch/>
-        </p:blipFill>
-        <p:spPr>
-          <a:xfrm>
-            <a:off x="8576572" y="4598283"/>
-            <a:ext cx="498106" cy="496941"/>
-          </a:xfrm>
-          <a:prstGeom prst="ellipse">
-            <a:avLst/>
-          </a:prstGeom>
-        </p:spPr>
-      </p:pic>
       <p:pic>
         <p:nvPicPr>
           <p:cNvPr id="4" name="Picture 3">
@@ -32820,7 +33054,7 @@
           <p:nvPr/>
         </p:nvPicPr>
         <p:blipFill>
-          <a:blip r:embed="rId3"/>
+          <a:blip r:embed="rId2"/>
           <a:stretch>
             <a:fillRect/>
           </a:stretch>
@@ -32850,6 +33084,36 @@
           <p:nvPr/>
         </p:nvPicPr>
         <p:blipFill>
+          <a:blip r:embed="rId3"/>
+          <a:stretch>
+            <a:fillRect/>
+          </a:stretch>
+        </p:blipFill>
+        <p:spPr>
+          <a:xfrm>
+            <a:off x="5285422" y="1076325"/>
+            <a:ext cx="2352675" cy="2990850"/>
+          </a:xfrm>
+          <a:prstGeom prst="rect">
+            <a:avLst/>
+          </a:prstGeom>
+        </p:spPr>
+      </p:pic>
+      <p:pic>
+        <p:nvPicPr>
+          <p:cNvPr id="7" name="Picture 6" descr="A picture containing stool&#10;&#10;Description automatically generated">
+            <a:extLst>
+              <a:ext uri="{FF2B5EF4-FFF2-40B4-BE49-F238E27FC236}">
+                <a16:creationId xmlns:a16="http://schemas.microsoft.com/office/drawing/2014/main" id="{949D4792-6F99-419A-8279-1816280EA4B2}"/>
+              </a:ext>
+            </a:extLst>
+          </p:cNvPr>
+          <p:cNvPicPr>
+            <a:picLocks noChangeAspect="1"/>
+          </p:cNvPicPr>
+          <p:nvPr/>
+        </p:nvPicPr>
+        <p:blipFill>
           <a:blip r:embed="rId4"/>
           <a:stretch>
             <a:fillRect/>
@@ -32857,12 +33121,19 @@
         </p:blipFill>
         <p:spPr>
           <a:xfrm>
-            <a:off x="5285422" y="1076325"/>
-            <a:ext cx="2352675" cy="2990850"/>
-          </a:xfrm>
-          <a:prstGeom prst="rect">
-            <a:avLst/>
-          </a:prstGeom>
+            <a:off x="8515735" y="4536281"/>
+            <a:ext cx="558943" cy="558943"/>
+          </a:xfrm>
+          <a:prstGeom prst="ellipse">
+            <a:avLst/>
+          </a:prstGeom>
+          <a:effectLst>
+            <a:outerShdw blurRad="63500" sx="102000" sy="102000" algn="ctr" rotWithShape="0">
+              <a:prstClr val="black">
+                <a:alpha val="40000"/>
+              </a:prstClr>
+            </a:outerShdw>
+          </a:effectLst>
         </p:spPr>
       </p:pic>
     </p:spTree>
@@ -32918,12 +33189,19 @@
           <a:p>
             <a:r>
               <a:rPr lang="en-GB" dirty="0">
+                <a:solidFill>
+                  <a:schemeClr val="tx2"/>
+                </a:solidFill>
                 <a:latin typeface="Arial"/>
                 <a:cs typeface="Arial"/>
               </a:rPr>
               <a:t>Tangent: Function Terminology</a:t>
             </a:r>
-            <a:endParaRPr lang="en-GB" dirty="0"/>
+            <a:endParaRPr lang="en-GB" dirty="0">
+              <a:solidFill>
+                <a:schemeClr val="tx2"/>
+              </a:solidFill>
+            </a:endParaRPr>
           </a:p>
         </p:txBody>
       </p:sp>
@@ -32957,35 +33235,6 @@
           </a:p>
         </p:txBody>
       </p:sp>
-      <p:pic>
-        <p:nvPicPr>
-          <p:cNvPr id="11" name="Picture 10">
-            <a:extLst>
-              <a:ext uri="{FF2B5EF4-FFF2-40B4-BE49-F238E27FC236}">
-                <a16:creationId xmlns:a16="http://schemas.microsoft.com/office/drawing/2014/main" id="{AE10D547-F5D1-43D9-93EA-E166E3C73F57}"/>
-              </a:ext>
-            </a:extLst>
-          </p:cNvPr>
-          <p:cNvPicPr>
-            <a:picLocks noChangeAspect="1"/>
-          </p:cNvPicPr>
-          <p:nvPr/>
-        </p:nvPicPr>
-        <p:blipFill rotWithShape="1">
-          <a:blip r:embed="rId2"/>
-          <a:srcRect l="2982" t="3174" r="2869" b="2900"/>
-          <a:stretch/>
-        </p:blipFill>
-        <p:spPr>
-          <a:xfrm>
-            <a:off x="8576572" y="4598283"/>
-            <a:ext cx="498106" cy="496941"/>
-          </a:xfrm>
-          <a:prstGeom prst="ellipse">
-            <a:avLst/>
-          </a:prstGeom>
-        </p:spPr>
-      </p:pic>
       <p:sp>
         <p:nvSpPr>
           <p:cNvPr id="6" name="Text Placeholder 2">
@@ -33280,6 +33529,36 @@
           <p:nvPr/>
         </p:nvPicPr>
         <p:blipFill>
+          <a:blip r:embed="rId2"/>
+          <a:stretch>
+            <a:fillRect/>
+          </a:stretch>
+        </p:blipFill>
+        <p:spPr>
+          <a:xfrm>
+            <a:off x="1376624" y="1688740"/>
+            <a:ext cx="6486525" cy="1076325"/>
+          </a:xfrm>
+          <a:prstGeom prst="rect">
+            <a:avLst/>
+          </a:prstGeom>
+        </p:spPr>
+      </p:pic>
+      <p:pic>
+        <p:nvPicPr>
+          <p:cNvPr id="7" name="Picture 6" descr="A picture containing stool&#10;&#10;Description automatically generated">
+            <a:extLst>
+              <a:ext uri="{FF2B5EF4-FFF2-40B4-BE49-F238E27FC236}">
+                <a16:creationId xmlns:a16="http://schemas.microsoft.com/office/drawing/2014/main" id="{681D0E53-09B8-4875-AEA2-04917102132C}"/>
+              </a:ext>
+            </a:extLst>
+          </p:cNvPr>
+          <p:cNvPicPr>
+            <a:picLocks noChangeAspect="1"/>
+          </p:cNvPicPr>
+          <p:nvPr/>
+        </p:nvPicPr>
+        <p:blipFill>
           <a:blip r:embed="rId3"/>
           <a:stretch>
             <a:fillRect/>
@@ -33287,12 +33566,19 @@
         </p:blipFill>
         <p:spPr>
           <a:xfrm>
-            <a:off x="1376624" y="1688740"/>
-            <a:ext cx="6486525" cy="1076325"/>
-          </a:xfrm>
-          <a:prstGeom prst="rect">
-            <a:avLst/>
-          </a:prstGeom>
+            <a:off x="8515735" y="4536281"/>
+            <a:ext cx="558943" cy="558943"/>
+          </a:xfrm>
+          <a:prstGeom prst="ellipse">
+            <a:avLst/>
+          </a:prstGeom>
+          <a:effectLst>
+            <a:outerShdw blurRad="63500" sx="102000" sy="102000" algn="ctr" rotWithShape="0">
+              <a:prstClr val="black">
+                <a:alpha val="40000"/>
+              </a:prstClr>
+            </a:outerShdw>
+          </a:effectLst>
         </p:spPr>
       </p:pic>
     </p:spTree>
@@ -33348,12 +33634,19 @@
           <a:p>
             <a:r>
               <a:rPr lang="en-GB" dirty="0">
+                <a:solidFill>
+                  <a:schemeClr val="tx2"/>
+                </a:solidFill>
                 <a:latin typeface="Arial"/>
                 <a:cs typeface="Arial"/>
               </a:rPr>
               <a:t>Function Arguments</a:t>
             </a:r>
-            <a:endParaRPr lang="en-GB" dirty="0"/>
+            <a:endParaRPr lang="en-GB" dirty="0">
+              <a:solidFill>
+                <a:schemeClr val="tx2"/>
+              </a:solidFill>
+            </a:endParaRPr>
           </a:p>
         </p:txBody>
       </p:sp>
@@ -33387,35 +33680,6 @@
           </a:p>
         </p:txBody>
       </p:sp>
-      <p:pic>
-        <p:nvPicPr>
-          <p:cNvPr id="11" name="Picture 10">
-            <a:extLst>
-              <a:ext uri="{FF2B5EF4-FFF2-40B4-BE49-F238E27FC236}">
-                <a16:creationId xmlns:a16="http://schemas.microsoft.com/office/drawing/2014/main" id="{AE10D547-F5D1-43D9-93EA-E166E3C73F57}"/>
-              </a:ext>
-            </a:extLst>
-          </p:cNvPr>
-          <p:cNvPicPr>
-            <a:picLocks noChangeAspect="1"/>
-          </p:cNvPicPr>
-          <p:nvPr/>
-        </p:nvPicPr>
-        <p:blipFill rotWithShape="1">
-          <a:blip r:embed="rId2"/>
-          <a:srcRect l="2982" t="3174" r="2869" b="2900"/>
-          <a:stretch/>
-        </p:blipFill>
-        <p:spPr>
-          <a:xfrm>
-            <a:off x="8576572" y="4598283"/>
-            <a:ext cx="498106" cy="496941"/>
-          </a:xfrm>
-          <a:prstGeom prst="ellipse">
-            <a:avLst/>
-          </a:prstGeom>
-        </p:spPr>
-      </p:pic>
       <p:sp>
         <p:nvSpPr>
           <p:cNvPr id="8" name="Text Placeholder 2">
@@ -33621,7 +33885,7 @@
           <p:nvPr/>
         </p:nvPicPr>
         <p:blipFill>
-          <a:blip r:embed="rId3"/>
+          <a:blip r:embed="rId2"/>
           <a:stretch>
             <a:fillRect/>
           </a:stretch>
@@ -33651,7 +33915,7 @@
           <p:nvPr/>
         </p:nvPicPr>
         <p:blipFill>
-          <a:blip r:embed="rId4"/>
+          <a:blip r:embed="rId3"/>
           <a:stretch>
             <a:fillRect/>
           </a:stretch>
@@ -34100,6 +34364,43 @@
           </a:p>
         </p:txBody>
       </p:sp>
+      <p:pic>
+        <p:nvPicPr>
+          <p:cNvPr id="15" name="Picture 14" descr="A picture containing stool&#10;&#10;Description automatically generated">
+            <a:extLst>
+              <a:ext uri="{FF2B5EF4-FFF2-40B4-BE49-F238E27FC236}">
+                <a16:creationId xmlns:a16="http://schemas.microsoft.com/office/drawing/2014/main" id="{37B649A4-AA49-450C-9BA6-E5F5A26CD5CE}"/>
+              </a:ext>
+            </a:extLst>
+          </p:cNvPr>
+          <p:cNvPicPr>
+            <a:picLocks noChangeAspect="1"/>
+          </p:cNvPicPr>
+          <p:nvPr/>
+        </p:nvPicPr>
+        <p:blipFill>
+          <a:blip r:embed="rId4"/>
+          <a:stretch>
+            <a:fillRect/>
+          </a:stretch>
+        </p:blipFill>
+        <p:spPr>
+          <a:xfrm>
+            <a:off x="8515735" y="4536281"/>
+            <a:ext cx="558943" cy="558943"/>
+          </a:xfrm>
+          <a:prstGeom prst="ellipse">
+            <a:avLst/>
+          </a:prstGeom>
+          <a:effectLst>
+            <a:outerShdw blurRad="63500" sx="102000" sy="102000" algn="ctr" rotWithShape="0">
+              <a:prstClr val="black">
+                <a:alpha val="40000"/>
+              </a:prstClr>
+            </a:outerShdw>
+          </a:effectLst>
+        </p:spPr>
+      </p:pic>
     </p:spTree>
     <p:extLst>
       <p:ext uri="{BB962C8B-B14F-4D97-AF65-F5344CB8AC3E}">
@@ -34122,42 +34423,42 @@
 <file path=ppt/theme/theme1.xml><?xml version="1.0" encoding="utf-8"?>
 <a:theme xmlns:a="http://schemas.openxmlformats.org/drawingml/2006/main" name="AZ Cover Slide Options">
   <a:themeElements>
-    <a:clrScheme name="Custom 239">
+    <a:clrScheme name="Blue">
       <a:dk1>
-        <a:srgbClr val="000000"/>
+        <a:sysClr val="windowText" lastClr="000000"/>
       </a:dk1>
       <a:lt1>
-        <a:srgbClr val="FFFFFF"/>
+        <a:sysClr val="window" lastClr="FFFFFF"/>
       </a:lt1>
       <a:dk2>
-        <a:srgbClr val="830051"/>
+        <a:srgbClr val="17406D"/>
       </a:dk2>
       <a:lt2>
-        <a:srgbClr val="F0AB00"/>
+        <a:srgbClr val="DBEFF9"/>
       </a:lt2>
       <a:accent1>
-        <a:srgbClr val="830051"/>
+        <a:srgbClr val="0F6FC6"/>
       </a:accent1>
       <a:accent2>
-        <a:srgbClr val="003865"/>
+        <a:srgbClr val="009DD9"/>
       </a:accent2>
       <a:accent3>
-        <a:srgbClr val="68D2DF"/>
+        <a:srgbClr val="0BD0D9"/>
       </a:accent3>
       <a:accent4>
-        <a:srgbClr val="3C1053"/>
+        <a:srgbClr val="10CF9B"/>
       </a:accent4>
       <a:accent5>
-        <a:srgbClr val="C4D600"/>
+        <a:srgbClr val="7CCA62"/>
       </a:accent5>
       <a:accent6>
-        <a:srgbClr val="3F4444"/>
+        <a:srgbClr val="A5C249"/>
       </a:accent6>
       <a:hlink>
-        <a:srgbClr val="003865"/>
+        <a:srgbClr val="F49100"/>
       </a:hlink>
       <a:folHlink>
-        <a:srgbClr val="9DB0AC"/>
+        <a:srgbClr val="85DFD0"/>
       </a:folHlink>
     </a:clrScheme>
     <a:fontScheme name="Office Classic 2">
@@ -36113,24 +36414,6 @@
 </file>
 
 <file path=customXml/item2.xml><?xml version="1.0" encoding="utf-8"?>
-<p:properties xmlns:p="http://schemas.microsoft.com/office/2006/metadata/properties" xmlns:xsi="http://www.w3.org/2001/XMLSchema-instance" xmlns:pc="http://schemas.microsoft.com/office/infopath/2007/PartnerControls">
-  <documentManagement>
-    <Keyword xmlns="44a56295-c29e-4898-8136-a54736c65b82" xsi:nil="true"/>
-    <Descriptions xmlns="44a56295-c29e-4898-8136-a54736c65b82" xsi:nil="true"/>
-  </documentManagement>
-</p:properties>
-</file>
-
-<file path=customXml/item3.xml><?xml version="1.0" encoding="utf-8"?>
-<?mso-contentType ?>
-<FormTemplates xmlns="http://schemas.microsoft.com/sharepoint/v3/contenttype/forms">
-  <Display>DocumentLibraryForm</Display>
-  <Edit>DocumentLibraryForm</Edit>
-  <New>DocumentLibraryForm</New>
-</FormTemplates>
-</file>
-
-<file path=customXml/item4.xml><?xml version="1.0" encoding="utf-8"?>
 <ct:contentTypeSchema xmlns:ct="http://schemas.microsoft.com/office/2006/metadata/contentType" xmlns:ma="http://schemas.microsoft.com/office/2006/metadata/properties/metaAttributes" ct:_="" ma:_="" ma:contentTypeName="Document" ma:contentTypeID="0x010100C9F3DD611966374C9EAA8DC5A2F94CD8" ma:contentTypeVersion="8" ma:contentTypeDescription="Create a new document." ma:contentTypeScope="" ma:versionID="18a8759320524e51783f13c6663a10d1">
   <xsd:schema xmlns:xsd="http://www.w3.org/2001/XMLSchema" xmlns:xs="http://www.w3.org/2001/XMLSchema" xmlns:p="http://schemas.microsoft.com/office/2006/metadata/properties" xmlns:ns2="44a56295-c29e-4898-8136-a54736c65b82" xmlns:ns3="9675ef8f-b755-4cd6-a742-8cae3d86c4fe" targetNamespace="http://schemas.microsoft.com/office/2006/metadata/properties" ma:root="true" ma:fieldsID="1b693415669a5bc10d56a9234ce5202b" ns2:_="" ns3:_="">
     <xsd:import namespace="44a56295-c29e-4898-8136-a54736c65b82"/>
@@ -36309,6 +36592,24 @@
 </ct:contentTypeSchema>
 </file>
 
+<file path=customXml/item3.xml><?xml version="1.0" encoding="utf-8"?>
+<?mso-contentType ?>
+<FormTemplates xmlns="http://schemas.microsoft.com/sharepoint/v3/contenttype/forms">
+  <Display>DocumentLibraryForm</Display>
+  <Edit>DocumentLibraryForm</Edit>
+  <New>DocumentLibraryForm</New>
+</FormTemplates>
+</file>
+
+<file path=customXml/item4.xml><?xml version="1.0" encoding="utf-8"?>
+<p:properties xmlns:p="http://schemas.microsoft.com/office/2006/metadata/properties" xmlns:xsi="http://www.w3.org/2001/XMLSchema-instance" xmlns:pc="http://schemas.microsoft.com/office/infopath/2007/PartnerControls">
+  <documentManagement>
+    <Keyword xmlns="44a56295-c29e-4898-8136-a54736c65b82" xsi:nil="true"/>
+    <Descriptions xmlns="44a56295-c29e-4898-8136-a54736c65b82" xsi:nil="true"/>
+  </documentManagement>
+</p:properties>
+</file>
+
 <file path=customXml/itemProps1.xml><?xml version="1.0" encoding="utf-8"?>
 <ds:datastoreItem xmlns:ds="http://schemas.openxmlformats.org/officeDocument/2006/customXml" ds:itemID="{91989A13-6EBC-4BFF-A25C-E4D3CAAA08AF}">
   <ds:schemaRefs>
@@ -36318,31 +36619,6 @@
 </file>
 
 <file path=customXml/itemProps2.xml><?xml version="1.0" encoding="utf-8"?>
-<ds:datastoreItem xmlns:ds="http://schemas.openxmlformats.org/officeDocument/2006/customXml" ds:itemID="{9F6F5FD0-A94F-4E0E-8953-A634089166A9}">
-  <ds:schemaRefs>
-    <ds:schemaRef ds:uri="44a56295-c29e-4898-8136-a54736c65b82"/>
-    <ds:schemaRef ds:uri="9675ef8f-b755-4cd6-a742-8cae3d86c4fe"/>
-    <ds:schemaRef ds:uri="http://purl.org/dc/dcmitype/"/>
-    <ds:schemaRef ds:uri="http://purl.org/dc/elements/1.1/"/>
-    <ds:schemaRef ds:uri="http://purl.org/dc/terms/"/>
-    <ds:schemaRef ds:uri="http://schemas.microsoft.com/office/2006/documentManagement/types"/>
-    <ds:schemaRef ds:uri="http://schemas.microsoft.com/office/2006/metadata/properties"/>
-    <ds:schemaRef ds:uri="http://schemas.microsoft.com/office/infopath/2007/PartnerControls"/>
-    <ds:schemaRef ds:uri="http://schemas.openxmlformats.org/package/2006/metadata/core-properties"/>
-    <ds:schemaRef ds:uri="http://www.w3.org/XML/1998/namespace"/>
-  </ds:schemaRefs>
-</ds:datastoreItem>
-</file>
-
-<file path=customXml/itemProps3.xml><?xml version="1.0" encoding="utf-8"?>
-<ds:datastoreItem xmlns:ds="http://schemas.openxmlformats.org/officeDocument/2006/customXml" ds:itemID="{BEBDFA33-3959-412D-BF65-F572B77FF4EC}">
-  <ds:schemaRefs>
-    <ds:schemaRef ds:uri="http://schemas.microsoft.com/sharepoint/v3/contenttype/forms"/>
-  </ds:schemaRefs>
-</ds:datastoreItem>
-</file>
-
-<file path=customXml/itemProps4.xml><?xml version="1.0" encoding="utf-8"?>
 <ds:datastoreItem xmlns:ds="http://schemas.openxmlformats.org/officeDocument/2006/customXml" ds:itemID="{68ED3CC4-90A9-4466-8611-49F71BEF9534}">
   <ds:schemaRefs>
     <ds:schemaRef ds:uri="44a56295-c29e-4898-8136-a54736c65b82"/>
@@ -36359,4 +36635,29 @@
     <ds:schemaRef ds:uri="http://www.w3.org/2001/XMLSchema"/>
   </ds:schemaRefs>
 </ds:datastoreItem>
+</file>
+
+<file path=customXml/itemProps3.xml><?xml version="1.0" encoding="utf-8"?>
+<ds:datastoreItem xmlns:ds="http://schemas.openxmlformats.org/officeDocument/2006/customXml" ds:itemID="{BEBDFA33-3959-412D-BF65-F572B77FF4EC}">
+  <ds:schemaRefs>
+    <ds:schemaRef ds:uri="http://schemas.microsoft.com/sharepoint/v3/contenttype/forms"/>
+  </ds:schemaRefs>
+</ds:datastoreItem>
+</file>
+
+<file path=customXml/itemProps4.xml><?xml version="1.0" encoding="utf-8"?>
+<ds:datastoreItem xmlns:ds="http://schemas.openxmlformats.org/officeDocument/2006/customXml" ds:itemID="{9F6F5FD0-A94F-4E0E-8953-A634089166A9}">
+  <ds:schemaRefs>
+    <ds:schemaRef ds:uri="44a56295-c29e-4898-8136-a54736c65b82"/>
+    <ds:schemaRef ds:uri="9675ef8f-b755-4cd6-a742-8cae3d86c4fe"/>
+    <ds:schemaRef ds:uri="http://purl.org/dc/dcmitype/"/>
+    <ds:schemaRef ds:uri="http://purl.org/dc/elements/1.1/"/>
+    <ds:schemaRef ds:uri="http://purl.org/dc/terms/"/>
+    <ds:schemaRef ds:uri="http://schemas.microsoft.com/office/2006/documentManagement/types"/>
+    <ds:schemaRef ds:uri="http://schemas.microsoft.com/office/2006/metadata/properties"/>
+    <ds:schemaRef ds:uri="http://schemas.microsoft.com/office/infopath/2007/PartnerControls"/>
+    <ds:schemaRef ds:uri="http://schemas.openxmlformats.org/package/2006/metadata/core-properties"/>
+    <ds:schemaRef ds:uri="http://www.w3.org/XML/1998/namespace"/>
+  </ds:schemaRefs>
+</ds:datastoreItem>
 </file>
--- a/session_six/session_six_presentation.pptx
+++ b/session_six/session_six_presentation.pptx
@@ -27240,6 +27240,37 @@
               </a14:hiddenFill>
             </a:ext>
           </a:extLst>
+        </p:spPr>
+      </p:pic>
+      <p:pic>
+        <p:nvPicPr>
+          <p:cNvPr id="11" name="Picture 10" descr="A picture containing drawing, light, plate&#10;&#10;Description automatically generated">
+            <a:hlinkClick r:id="rId7"/>
+            <a:extLst>
+              <a:ext uri="{FF2B5EF4-FFF2-40B4-BE49-F238E27FC236}">
+                <a16:creationId xmlns:a16="http://schemas.microsoft.com/office/drawing/2014/main" id="{93448C55-E79B-4916-9F77-63AB82386EF8}"/>
+              </a:ext>
+            </a:extLst>
+          </p:cNvPr>
+          <p:cNvPicPr>
+            <a:picLocks noChangeAspect="1"/>
+          </p:cNvPicPr>
+          <p:nvPr/>
+        </p:nvPicPr>
+        <p:blipFill>
+          <a:blip r:embed="rId8"/>
+          <a:stretch>
+            <a:fillRect/>
+          </a:stretch>
+        </p:blipFill>
+        <p:spPr>
+          <a:xfrm>
+            <a:off x="6498567" y="942188"/>
+            <a:ext cx="2419199" cy="504000"/>
+          </a:xfrm>
+          <a:prstGeom prst="rect">
+            <a:avLst/>
+          </a:prstGeom>
         </p:spPr>
       </p:pic>
     </p:spTree>
@@ -36409,11 +36440,6 @@
 </file>
 
 <file path=customXml/item1.xml><?xml version="1.0" encoding="utf-8"?>
-<?mso-contentType ?>
-<SharedContentType xmlns="Microsoft.SharePoint.Taxonomy.ContentTypeSync" SourceId="1ee89e71-04cd-405e-9ca3-99e020c1694d" ContentTypeId="0x0101" PreviousValue="false"/>
-</file>
-
-<file path=customXml/item2.xml><?xml version="1.0" encoding="utf-8"?>
 <ct:contentTypeSchema xmlns:ct="http://schemas.microsoft.com/office/2006/metadata/contentType" xmlns:ma="http://schemas.microsoft.com/office/2006/metadata/properties/metaAttributes" ct:_="" ma:_="" ma:contentTypeName="Document" ma:contentTypeID="0x010100C9F3DD611966374C9EAA8DC5A2F94CD8" ma:contentTypeVersion="8" ma:contentTypeDescription="Create a new document." ma:contentTypeScope="" ma:versionID="18a8759320524e51783f13c6663a10d1">
   <xsd:schema xmlns:xsd="http://www.w3.org/2001/XMLSchema" xmlns:xs="http://www.w3.org/2001/XMLSchema" xmlns:p="http://schemas.microsoft.com/office/2006/metadata/properties" xmlns:ns2="44a56295-c29e-4898-8136-a54736c65b82" xmlns:ns3="9675ef8f-b755-4cd6-a742-8cae3d86c4fe" targetNamespace="http://schemas.microsoft.com/office/2006/metadata/properties" ma:root="true" ma:fieldsID="1b693415669a5bc10d56a9234ce5202b" ns2:_="" ns3:_="">
     <xsd:import namespace="44a56295-c29e-4898-8136-a54736c65b82"/>
@@ -36592,7 +36618,21 @@
 </ct:contentTypeSchema>
 </file>
 
+<file path=customXml/item2.xml><?xml version="1.0" encoding="utf-8"?>
+<?mso-contentType ?>
+<SharedContentType xmlns="Microsoft.SharePoint.Taxonomy.ContentTypeSync" SourceId="1ee89e71-04cd-405e-9ca3-99e020c1694d" ContentTypeId="0x0101" PreviousValue="false"/>
+</file>
+
 <file path=customXml/item3.xml><?xml version="1.0" encoding="utf-8"?>
+<p:properties xmlns:p="http://schemas.microsoft.com/office/2006/metadata/properties" xmlns:xsi="http://www.w3.org/2001/XMLSchema-instance" xmlns:pc="http://schemas.microsoft.com/office/infopath/2007/PartnerControls">
+  <documentManagement>
+    <Keyword xmlns="44a56295-c29e-4898-8136-a54736c65b82" xsi:nil="true"/>
+    <Descriptions xmlns="44a56295-c29e-4898-8136-a54736c65b82" xsi:nil="true"/>
+  </documentManagement>
+</p:properties>
+</file>
+
+<file path=customXml/item4.xml><?xml version="1.0" encoding="utf-8"?>
 <?mso-contentType ?>
 <FormTemplates xmlns="http://schemas.microsoft.com/sharepoint/v3/contenttype/forms">
   <Display>DocumentLibraryForm</Display>
@@ -36601,24 +36641,7 @@
 </FormTemplates>
 </file>
 
-<file path=customXml/item4.xml><?xml version="1.0" encoding="utf-8"?>
-<p:properties xmlns:p="http://schemas.microsoft.com/office/2006/metadata/properties" xmlns:xsi="http://www.w3.org/2001/XMLSchema-instance" xmlns:pc="http://schemas.microsoft.com/office/infopath/2007/PartnerControls">
-  <documentManagement>
-    <Keyword xmlns="44a56295-c29e-4898-8136-a54736c65b82" xsi:nil="true"/>
-    <Descriptions xmlns="44a56295-c29e-4898-8136-a54736c65b82" xsi:nil="true"/>
-  </documentManagement>
-</p:properties>
-</file>
-
 <file path=customXml/itemProps1.xml><?xml version="1.0" encoding="utf-8"?>
-<ds:datastoreItem xmlns:ds="http://schemas.openxmlformats.org/officeDocument/2006/customXml" ds:itemID="{91989A13-6EBC-4BFF-A25C-E4D3CAAA08AF}">
-  <ds:schemaRefs>
-    <ds:schemaRef ds:uri="Microsoft.SharePoint.Taxonomy.ContentTypeSync"/>
-  </ds:schemaRefs>
-</ds:datastoreItem>
-</file>
-
-<file path=customXml/itemProps2.xml><?xml version="1.0" encoding="utf-8"?>
 <ds:datastoreItem xmlns:ds="http://schemas.openxmlformats.org/officeDocument/2006/customXml" ds:itemID="{68ED3CC4-90A9-4466-8611-49F71BEF9534}">
   <ds:schemaRefs>
     <ds:schemaRef ds:uri="44a56295-c29e-4898-8136-a54736c65b82"/>
@@ -36637,15 +36660,15 @@
 </ds:datastoreItem>
 </file>
 
-<file path=customXml/itemProps3.xml><?xml version="1.0" encoding="utf-8"?>
-<ds:datastoreItem xmlns:ds="http://schemas.openxmlformats.org/officeDocument/2006/customXml" ds:itemID="{BEBDFA33-3959-412D-BF65-F572B77FF4EC}">
+<file path=customXml/itemProps2.xml><?xml version="1.0" encoding="utf-8"?>
+<ds:datastoreItem xmlns:ds="http://schemas.openxmlformats.org/officeDocument/2006/customXml" ds:itemID="{91989A13-6EBC-4BFF-A25C-E4D3CAAA08AF}">
   <ds:schemaRefs>
-    <ds:schemaRef ds:uri="http://schemas.microsoft.com/sharepoint/v3/contenttype/forms"/>
+    <ds:schemaRef ds:uri="Microsoft.SharePoint.Taxonomy.ContentTypeSync"/>
   </ds:schemaRefs>
 </ds:datastoreItem>
 </file>
 
-<file path=customXml/itemProps4.xml><?xml version="1.0" encoding="utf-8"?>
+<file path=customXml/itemProps3.xml><?xml version="1.0" encoding="utf-8"?>
 <ds:datastoreItem xmlns:ds="http://schemas.openxmlformats.org/officeDocument/2006/customXml" ds:itemID="{9F6F5FD0-A94F-4E0E-8953-A634089166A9}">
   <ds:schemaRefs>
     <ds:schemaRef ds:uri="44a56295-c29e-4898-8136-a54736c65b82"/>
@@ -36660,4 +36683,12 @@
     <ds:schemaRef ds:uri="http://www.w3.org/XML/1998/namespace"/>
   </ds:schemaRefs>
 </ds:datastoreItem>
+</file>
+
+<file path=customXml/itemProps4.xml><?xml version="1.0" encoding="utf-8"?>
+<ds:datastoreItem xmlns:ds="http://schemas.openxmlformats.org/officeDocument/2006/customXml" ds:itemID="{BEBDFA33-3959-412D-BF65-F572B77FF4EC}">
+  <ds:schemaRefs>
+    <ds:schemaRef ds:uri="http://schemas.microsoft.com/sharepoint/v3/contenttype/forms"/>
+  </ds:schemaRefs>
+</ds:datastoreItem>
 </file>